--- a/thresholding.pptx
+++ b/thresholding.pptx
@@ -5,7 +5,7 @@
     <p:sldMasterId id="2147483648" r:id="rId1"/>
   </p:sldMasterIdLst>
   <p:notesMasterIdLst>
-    <p:notesMasterId r:id="rId19"/>
+    <p:notesMasterId r:id="rId26"/>
   </p:notesMasterIdLst>
   <p:sldIdLst>
     <p:sldId id="256" r:id="rId2"/>
@@ -13,18 +13,25 @@
     <p:sldId id="262" r:id="rId4"/>
     <p:sldId id="259" r:id="rId5"/>
     <p:sldId id="263" r:id="rId6"/>
-    <p:sldId id="264" r:id="rId7"/>
-    <p:sldId id="265" r:id="rId8"/>
-    <p:sldId id="266" r:id="rId9"/>
-    <p:sldId id="274" r:id="rId10"/>
-    <p:sldId id="260" r:id="rId11"/>
-    <p:sldId id="267" r:id="rId12"/>
-    <p:sldId id="270" r:id="rId13"/>
-    <p:sldId id="271" r:id="rId14"/>
-    <p:sldId id="272" r:id="rId15"/>
-    <p:sldId id="273" r:id="rId16"/>
-    <p:sldId id="275" r:id="rId17"/>
-    <p:sldId id="276" r:id="rId18"/>
+    <p:sldId id="278" r:id="rId7"/>
+    <p:sldId id="279" r:id="rId8"/>
+    <p:sldId id="264" r:id="rId9"/>
+    <p:sldId id="281" r:id="rId10"/>
+    <p:sldId id="280" r:id="rId11"/>
+    <p:sldId id="282" r:id="rId12"/>
+    <p:sldId id="265" r:id="rId13"/>
+    <p:sldId id="266" r:id="rId14"/>
+    <p:sldId id="274" r:id="rId15"/>
+    <p:sldId id="283" r:id="rId16"/>
+    <p:sldId id="267" r:id="rId17"/>
+    <p:sldId id="270" r:id="rId18"/>
+    <p:sldId id="271" r:id="rId19"/>
+    <p:sldId id="284" r:id="rId20"/>
+    <p:sldId id="285" r:id="rId21"/>
+    <p:sldId id="272" r:id="rId22"/>
+    <p:sldId id="275" r:id="rId23"/>
+    <p:sldId id="273" r:id="rId24"/>
+    <p:sldId id="277" r:id="rId25"/>
   </p:sldIdLst>
   <p:sldSz cx="9144000" cy="6858000" type="screen4x3"/>
   <p:notesSz cx="6858000" cy="9144000"/>
@@ -213,7 +220,7 @@
           <a:p>
             <a:fld id="{A6613069-5E66-4DFB-94FF-1B6650ED4A73}" type="datetimeFigureOut">
               <a:rPr lang="ko-KR" altLang="en-US" smtClean="0"/>
-              <a:t>2018-07-15</a:t>
+              <a:t>2018-07-16</a:t>
             </a:fld>
             <a:endParaRPr lang="ko-KR" altLang="en-US"/>
           </a:p>
@@ -546,7 +553,7 @@
           <a:p>
             <a:fld id="{1424C9A6-84D2-4C46-A828-6F2BC1C16D94}" type="slidenum">
               <a:rPr lang="ko-KR" altLang="en-US" smtClean="0"/>
-              <a:t>11</a:t>
+              <a:t>16</a:t>
             </a:fld>
             <a:endParaRPr lang="ko-KR" altLang="en-US"/>
           </a:p>
@@ -696,7 +703,7 @@
           <a:p>
             <a:fld id="{F6A58BE5-4E1C-4431-B9DF-78B4BF3E07C1}" type="datetimeFigureOut">
               <a:rPr lang="ko-KR" altLang="en-US" smtClean="0"/>
-              <a:t>2018-07-15</a:t>
+              <a:t>2018-07-16</a:t>
             </a:fld>
             <a:endParaRPr lang="ko-KR" altLang="en-US"/>
           </a:p>
@@ -866,7 +873,7 @@
           <a:p>
             <a:fld id="{F6A58BE5-4E1C-4431-B9DF-78B4BF3E07C1}" type="datetimeFigureOut">
               <a:rPr lang="ko-KR" altLang="en-US" smtClean="0"/>
-              <a:t>2018-07-15</a:t>
+              <a:t>2018-07-16</a:t>
             </a:fld>
             <a:endParaRPr lang="ko-KR" altLang="en-US"/>
           </a:p>
@@ -1046,7 +1053,7 @@
           <a:p>
             <a:fld id="{F6A58BE5-4E1C-4431-B9DF-78B4BF3E07C1}" type="datetimeFigureOut">
               <a:rPr lang="ko-KR" altLang="en-US" smtClean="0"/>
-              <a:t>2018-07-15</a:t>
+              <a:t>2018-07-16</a:t>
             </a:fld>
             <a:endParaRPr lang="ko-KR" altLang="en-US"/>
           </a:p>
@@ -1216,7 +1223,7 @@
           <a:p>
             <a:fld id="{F6A58BE5-4E1C-4431-B9DF-78B4BF3E07C1}" type="datetimeFigureOut">
               <a:rPr lang="ko-KR" altLang="en-US" smtClean="0"/>
-              <a:t>2018-07-15</a:t>
+              <a:t>2018-07-16</a:t>
             </a:fld>
             <a:endParaRPr lang="ko-KR" altLang="en-US"/>
           </a:p>
@@ -1462,7 +1469,7 @@
           <a:p>
             <a:fld id="{F6A58BE5-4E1C-4431-B9DF-78B4BF3E07C1}" type="datetimeFigureOut">
               <a:rPr lang="ko-KR" altLang="en-US" smtClean="0"/>
-              <a:t>2018-07-15</a:t>
+              <a:t>2018-07-16</a:t>
             </a:fld>
             <a:endParaRPr lang="ko-KR" altLang="en-US"/>
           </a:p>
@@ -1694,7 +1701,7 @@
           <a:p>
             <a:fld id="{F6A58BE5-4E1C-4431-B9DF-78B4BF3E07C1}" type="datetimeFigureOut">
               <a:rPr lang="ko-KR" altLang="en-US" smtClean="0"/>
-              <a:t>2018-07-15</a:t>
+              <a:t>2018-07-16</a:t>
             </a:fld>
             <a:endParaRPr lang="ko-KR" altLang="en-US"/>
           </a:p>
@@ -2061,7 +2068,7 @@
           <a:p>
             <a:fld id="{F6A58BE5-4E1C-4431-B9DF-78B4BF3E07C1}" type="datetimeFigureOut">
               <a:rPr lang="ko-KR" altLang="en-US" smtClean="0"/>
-              <a:t>2018-07-15</a:t>
+              <a:t>2018-07-16</a:t>
             </a:fld>
             <a:endParaRPr lang="ko-KR" altLang="en-US"/>
           </a:p>
@@ -2179,7 +2186,7 @@
           <a:p>
             <a:fld id="{F6A58BE5-4E1C-4431-B9DF-78B4BF3E07C1}" type="datetimeFigureOut">
               <a:rPr lang="ko-KR" altLang="en-US" smtClean="0"/>
-              <a:t>2018-07-15</a:t>
+              <a:t>2018-07-16</a:t>
             </a:fld>
             <a:endParaRPr lang="ko-KR" altLang="en-US"/>
           </a:p>
@@ -2274,7 +2281,7 @@
           <a:p>
             <a:fld id="{F6A58BE5-4E1C-4431-B9DF-78B4BF3E07C1}" type="datetimeFigureOut">
               <a:rPr lang="ko-KR" altLang="en-US" smtClean="0"/>
-              <a:t>2018-07-15</a:t>
+              <a:t>2018-07-16</a:t>
             </a:fld>
             <a:endParaRPr lang="ko-KR" altLang="en-US"/>
           </a:p>
@@ -2551,7 +2558,7 @@
           <a:p>
             <a:fld id="{F6A58BE5-4E1C-4431-B9DF-78B4BF3E07C1}" type="datetimeFigureOut">
               <a:rPr lang="ko-KR" altLang="en-US" smtClean="0"/>
-              <a:t>2018-07-15</a:t>
+              <a:t>2018-07-16</a:t>
             </a:fld>
             <a:endParaRPr lang="ko-KR" altLang="en-US"/>
           </a:p>
@@ -2804,7 +2811,7 @@
           <a:p>
             <a:fld id="{F6A58BE5-4E1C-4431-B9DF-78B4BF3E07C1}" type="datetimeFigureOut">
               <a:rPr lang="ko-KR" altLang="en-US" smtClean="0"/>
-              <a:t>2018-07-15</a:t>
+              <a:t>2018-07-16</a:t>
             </a:fld>
             <a:endParaRPr lang="ko-KR" altLang="en-US"/>
           </a:p>
@@ -3017,7 +3024,7 @@
           <a:p>
             <a:fld id="{F6A58BE5-4E1C-4431-B9DF-78B4BF3E07C1}" type="datetimeFigureOut">
               <a:rPr lang="ko-KR" altLang="en-US" smtClean="0"/>
-              <a:t>2018-07-15</a:t>
+              <a:t>2018-07-16</a:t>
             </a:fld>
             <a:endParaRPr lang="ko-KR" altLang="en-US"/>
           </a:p>
@@ -3511,183 +3518,42 @@
           <a:p>
             <a:r>
               <a:rPr lang="en-US" altLang="ko-KR" dirty="0" smtClean="0"/>
-              <a:t>Adaptive </a:t>
-            </a:r>
-            <a:r>
-              <a:rPr lang="en-US" altLang="ko-KR" dirty="0" err="1" smtClean="0"/>
-              <a:t>thresholding</a:t>
+              <a:t>code</a:t>
             </a:r>
             <a:endParaRPr lang="ko-KR" altLang="en-US" dirty="0"/>
           </a:p>
         </p:txBody>
       </p:sp>
-      <p:sp>
-        <p:nvSpPr>
-          <p:cNvPr id="3" name="내용 개체 틀 2"/>
-          <p:cNvSpPr>
-            <a:spLocks noGrp="1"/>
-          </p:cNvSpPr>
+      <p:pic>
+        <p:nvPicPr>
+          <p:cNvPr id="5" name="내용 개체 틀 4"/>
+          <p:cNvPicPr>
+            <a:picLocks noGrp="1" noChangeAspect="1"/>
+          </p:cNvPicPr>
           <p:nvPr>
             <p:ph idx="1"/>
           </p:nvPr>
-        </p:nvSpPr>
-        <p:spPr/>
-        <p:txBody>
-          <a:bodyPr>
-            <a:normAutofit/>
-          </a:bodyPr>
-          <a:lstStyle/>
-          <a:p>
-            <a:r>
-              <a:rPr lang="en-US" altLang="ko-KR" sz="1500" dirty="0" smtClean="0"/>
-              <a:t>Cv2.AdaptiveThreshold(</a:t>
-            </a:r>
-            <a:r>
-              <a:rPr lang="en-US" altLang="ko-KR" sz="1500" dirty="0" err="1" smtClean="0"/>
-              <a:t>src</a:t>
-            </a:r>
-            <a:r>
-              <a:rPr lang="en-US" altLang="ko-KR" sz="1500" dirty="0" smtClean="0"/>
-              <a:t>, </a:t>
-            </a:r>
-            <a:r>
-              <a:rPr lang="en-US" altLang="ko-KR" sz="1500" dirty="0" err="1" smtClean="0"/>
-              <a:t>maxValue</a:t>
-            </a:r>
-            <a:r>
-              <a:rPr lang="en-US" altLang="ko-KR" sz="1500" dirty="0" smtClean="0"/>
-              <a:t>, </a:t>
-            </a:r>
-            <a:r>
-              <a:rPr lang="en-US" altLang="ko-KR" sz="1500" dirty="0" err="1" smtClean="0"/>
-              <a:t>adaptive_method</a:t>
-            </a:r>
-            <a:r>
-              <a:rPr lang="en-US" altLang="ko-KR" sz="1500" dirty="0" smtClean="0"/>
-              <a:t>, </a:t>
-            </a:r>
-            <a:r>
-              <a:rPr lang="en-US" altLang="ko-KR" sz="1500" dirty="0" err="1" smtClean="0"/>
-              <a:t>thresholdType</a:t>
-            </a:r>
-            <a:r>
-              <a:rPr lang="en-US" altLang="ko-KR" sz="1500" dirty="0" smtClean="0"/>
-              <a:t>, </a:t>
-            </a:r>
-            <a:r>
-              <a:rPr lang="en-US" altLang="ko-KR" sz="1500" dirty="0" err="1" smtClean="0"/>
-              <a:t>blockSize</a:t>
-            </a:r>
-            <a:r>
-              <a:rPr lang="en-US" altLang="ko-KR" sz="1500" dirty="0" smtClean="0"/>
-              <a:t> = 3, c[, </a:t>
-            </a:r>
-            <a:r>
-              <a:rPr lang="en-US" altLang="ko-KR" sz="1500" dirty="0" err="1" smtClean="0"/>
-              <a:t>dst</a:t>
-            </a:r>
-            <a:r>
-              <a:rPr lang="en-US" altLang="ko-KR" sz="1500" dirty="0" smtClean="0"/>
-              <a:t>])</a:t>
-            </a:r>
-          </a:p>
-          <a:p>
-            <a:pPr lvl="1"/>
-            <a:r>
-              <a:rPr lang="en-US" altLang="ko-KR" sz="1500" dirty="0" err="1" smtClean="0"/>
-              <a:t>Src</a:t>
-            </a:r>
-            <a:r>
-              <a:rPr lang="en-US" altLang="ko-KR" sz="1500" dirty="0" smtClean="0"/>
-              <a:t> : 8 bit single channel image</a:t>
-            </a:r>
-          </a:p>
-          <a:p>
-            <a:pPr lvl="1"/>
-            <a:r>
-              <a:rPr lang="en-US" altLang="ko-KR" sz="1500" dirty="0" smtClean="0"/>
-              <a:t>Adaptive method</a:t>
-            </a:r>
-          </a:p>
-          <a:p>
-            <a:pPr lvl="2"/>
-            <a:r>
-              <a:rPr lang="en-US" altLang="ko-KR" sz="1500" dirty="0" smtClean="0"/>
-              <a:t>MEAN_C  : Threshold value = mean of </a:t>
-            </a:r>
-            <a:r>
-              <a:rPr lang="en-US" altLang="ko-KR" sz="1500" dirty="0" err="1" smtClean="0"/>
-              <a:t>blocksize</a:t>
-            </a:r>
-            <a:r>
-              <a:rPr lang="en-US" altLang="ko-KR" sz="1500" dirty="0" smtClean="0"/>
-              <a:t> * block size of </a:t>
-            </a:r>
-            <a:r>
-              <a:rPr lang="en-US" altLang="ko-KR" sz="1500" dirty="0" err="1" smtClean="0"/>
-              <a:t>neighbore</a:t>
-            </a:r>
-            <a:endParaRPr lang="en-US" altLang="ko-KR" sz="1500" dirty="0" smtClean="0"/>
-          </a:p>
-          <a:p>
-            <a:pPr lvl="2"/>
-            <a:r>
-              <a:rPr lang="en-US" altLang="ko-KR" sz="1500" dirty="0" err="1" smtClean="0"/>
-              <a:t>Gaussian_C</a:t>
-            </a:r>
-            <a:r>
-              <a:rPr lang="en-US" altLang="ko-KR" sz="1500" dirty="0" smtClean="0"/>
-              <a:t> : threshold value : weighted sum (cross-correlation with a Gaussian window ) . Default </a:t>
-            </a:r>
-            <a:r>
-              <a:rPr lang="en-US" altLang="ko-KR" sz="1500" dirty="0" err="1" smtClean="0"/>
-              <a:t>sigmal</a:t>
-            </a:r>
-            <a:r>
-              <a:rPr lang="en-US" altLang="ko-KR" sz="1500" dirty="0" smtClean="0"/>
-              <a:t> is used for specified </a:t>
-            </a:r>
-            <a:r>
-              <a:rPr lang="en-US" altLang="ko-KR" sz="1500" dirty="0" err="1" smtClean="0"/>
-              <a:t>blockSize</a:t>
-            </a:r>
-            <a:r>
-              <a:rPr lang="en-US" altLang="ko-KR" sz="1500" dirty="0" smtClean="0"/>
-              <a:t>. Sigma = 0.3 * ((ksize-1) * 0.5-1) + 0.8, </a:t>
-            </a:r>
-            <a:r>
-              <a:rPr lang="en-US" altLang="ko-KR" sz="1500" dirty="0" err="1" smtClean="0"/>
-              <a:t>ksize</a:t>
-            </a:r>
-            <a:r>
-              <a:rPr lang="en-US" altLang="ko-KR" sz="1500" dirty="0" smtClean="0"/>
-              <a:t> = odd</a:t>
-            </a:r>
-          </a:p>
-          <a:p>
-            <a:pPr lvl="2"/>
-            <a:endParaRPr lang="en-US" altLang="ko-KR" sz="1500" dirty="0"/>
-          </a:p>
-          <a:p>
-            <a:pPr lvl="1"/>
-            <a:r>
-              <a:rPr lang="en-US" altLang="ko-KR" sz="1900" dirty="0" smtClean="0"/>
-              <a:t>C : constant subtracted from the mean or weighted mean</a:t>
-            </a:r>
-          </a:p>
-          <a:p>
-            <a:pPr lvl="1"/>
-            <a:endParaRPr lang="en-US" altLang="ko-KR" sz="1500" dirty="0"/>
-          </a:p>
-          <a:p>
-            <a:endParaRPr lang="ko-KR" altLang="en-US" sz="1500" dirty="0"/>
-          </a:p>
-        </p:txBody>
-      </p:sp>
+        </p:nvPicPr>
+        <p:blipFill>
+          <a:blip r:embed="rId2"/>
+          <a:stretch>
+            <a:fillRect/>
+          </a:stretch>
+        </p:blipFill>
+        <p:spPr>
+          <a:xfrm>
+            <a:off x="1199007" y="1825625"/>
+            <a:ext cx="6745986" cy="4351338"/>
+          </a:xfrm>
+          <a:prstGeom prst="rect">
+            <a:avLst/>
+          </a:prstGeom>
+        </p:spPr>
+      </p:pic>
     </p:spTree>
     <p:extLst>
       <p:ext uri="{BB962C8B-B14F-4D97-AF65-F5344CB8AC3E}">
-        <p14:creationId xmlns:p14="http://schemas.microsoft.com/office/powerpoint/2010/main" val="3973310842"/>
+        <p14:creationId xmlns:p14="http://schemas.microsoft.com/office/powerpoint/2010/main" val="1194180452"/>
       </p:ext>
     </p:extLst>
   </p:cSld>
@@ -3730,6 +3596,1098 @@
           <a:lstStyle/>
           <a:p>
             <a:r>
+              <a:rPr lang="ko-KR" altLang="en-US" dirty="0" smtClean="0"/>
+              <a:t>결과</a:t>
+            </a:r>
+            <a:endParaRPr lang="ko-KR" altLang="en-US" dirty="0"/>
+          </a:p>
+        </p:txBody>
+      </p:sp>
+      <p:pic>
+        <p:nvPicPr>
+          <p:cNvPr id="4100" name="Picture 4" descr="Adaptive Thresholding"/>
+          <p:cNvPicPr>
+            <a:picLocks noGrp="1" noChangeAspect="1" noChangeArrowheads="1"/>
+          </p:cNvPicPr>
+          <p:nvPr>
+            <p:ph idx="1"/>
+          </p:nvPr>
+        </p:nvPicPr>
+        <p:blipFill>
+          <a:blip r:embed="rId2">
+            <a:extLst>
+              <a:ext uri="{28A0092B-C50C-407E-A947-70E740481C1C}">
+                <a14:useLocalDpi xmlns:a14="http://schemas.microsoft.com/office/drawing/2010/main" val="0"/>
+              </a:ext>
+            </a:extLst>
+          </a:blip>
+          <a:srcRect/>
+          <a:stretch>
+            <a:fillRect/>
+          </a:stretch>
+        </p:blipFill>
+        <p:spPr bwMode="auto">
+          <a:xfrm>
+            <a:off x="2096656" y="1371927"/>
+            <a:ext cx="4523568" cy="4805036"/>
+          </a:xfrm>
+          <a:prstGeom prst="rect">
+            <a:avLst/>
+          </a:prstGeom>
+          <a:noFill/>
+          <a:extLst>
+            <a:ext uri="{909E8E84-426E-40DD-AFC4-6F175D3DCCD1}">
+              <a14:hiddenFill xmlns:a14="http://schemas.microsoft.com/office/drawing/2010/main">
+                <a:solidFill>
+                  <a:srgbClr val="FFFFFF"/>
+                </a:solidFill>
+              </a14:hiddenFill>
+            </a:ext>
+          </a:extLst>
+        </p:spPr>
+      </p:pic>
+    </p:spTree>
+    <p:extLst>
+      <p:ext uri="{BB962C8B-B14F-4D97-AF65-F5344CB8AC3E}">
+        <p14:creationId xmlns:p14="http://schemas.microsoft.com/office/powerpoint/2010/main" val="1709292378"/>
+      </p:ext>
+    </p:extLst>
+  </p:cSld>
+  <p:clrMapOvr>
+    <a:masterClrMapping/>
+  </p:clrMapOvr>
+</p:sld>
+</file>
+
+<file path=ppt/slides/slide12.xml><?xml version="1.0" encoding="utf-8"?>
+<p:sld xmlns:a="http://schemas.openxmlformats.org/drawingml/2006/main" xmlns:r="http://schemas.openxmlformats.org/officeDocument/2006/relationships" xmlns:p="http://schemas.openxmlformats.org/presentationml/2006/main">
+  <p:cSld>
+    <p:spTree>
+      <p:nvGrpSpPr>
+        <p:cNvPr id="1" name=""/>
+        <p:cNvGrpSpPr/>
+        <p:nvPr/>
+      </p:nvGrpSpPr>
+      <p:grpSpPr>
+        <a:xfrm>
+          <a:off x="0" y="0"/>
+          <a:ext cx="0" cy="0"/>
+          <a:chOff x="0" y="0"/>
+          <a:chExt cx="0" cy="0"/>
+        </a:xfrm>
+      </p:grpSpPr>
+      <p:sp>
+        <p:nvSpPr>
+          <p:cNvPr id="2" name="제목 1"/>
+          <p:cNvSpPr>
+            <a:spLocks noGrp="1"/>
+          </p:cNvSpPr>
+          <p:nvPr>
+            <p:ph type="title"/>
+          </p:nvPr>
+        </p:nvSpPr>
+        <p:spPr/>
+        <p:txBody>
+          <a:bodyPr/>
+          <a:lstStyle/>
+          <a:p>
+            <a:r>
+              <a:rPr lang="en-US" altLang="ko-KR" dirty="0" smtClean="0"/>
+              <a:t>Image</a:t>
+            </a:r>
+            <a:r>
+              <a:rPr lang="ko-KR" altLang="en-US" dirty="0" smtClean="0"/>
+              <a:t>에 적용 </a:t>
+            </a:r>
+            <a:r>
+              <a:rPr lang="en-US" altLang="ko-KR" dirty="0" smtClean="0"/>
+              <a:t>/ block size</a:t>
+            </a:r>
+            <a:endParaRPr lang="ko-KR" altLang="en-US" dirty="0"/>
+          </a:p>
+        </p:txBody>
+      </p:sp>
+      <p:grpSp>
+        <p:nvGrpSpPr>
+          <p:cNvPr id="16" name="그룹 15"/>
+          <p:cNvGrpSpPr/>
+          <p:nvPr/>
+        </p:nvGrpSpPr>
+        <p:grpSpPr>
+          <a:xfrm>
+            <a:off x="163715" y="1563572"/>
+            <a:ext cx="8150661" cy="4836067"/>
+            <a:chOff x="92595" y="1268932"/>
+            <a:chExt cx="8150661" cy="4836067"/>
+          </a:xfrm>
+        </p:grpSpPr>
+        <p:pic>
+          <p:nvPicPr>
+            <p:cNvPr id="4" name="그림 3"/>
+            <p:cNvPicPr>
+              <a:picLocks noChangeAspect="1"/>
+            </p:cNvPicPr>
+            <p:nvPr/>
+          </p:nvPicPr>
+          <p:blipFill>
+            <a:blip r:embed="rId2"/>
+            <a:stretch>
+              <a:fillRect/>
+            </a:stretch>
+          </p:blipFill>
+          <p:spPr>
+            <a:xfrm>
+              <a:off x="92595" y="1636279"/>
+              <a:ext cx="2091149" cy="1678422"/>
+            </a:xfrm>
+            <a:prstGeom prst="rect">
+              <a:avLst/>
+            </a:prstGeom>
+          </p:spPr>
+        </p:pic>
+        <p:pic>
+          <p:nvPicPr>
+            <p:cNvPr id="5" name="그림 4"/>
+            <p:cNvPicPr>
+              <a:picLocks noChangeAspect="1"/>
+            </p:cNvPicPr>
+            <p:nvPr/>
+          </p:nvPicPr>
+          <p:blipFill>
+            <a:blip r:embed="rId3"/>
+            <a:stretch>
+              <a:fillRect/>
+            </a:stretch>
+          </p:blipFill>
+          <p:spPr>
+            <a:xfrm>
+              <a:off x="2566206" y="1514777"/>
+              <a:ext cx="2880000" cy="4572734"/>
+            </a:xfrm>
+            <a:prstGeom prst="rect">
+              <a:avLst/>
+            </a:prstGeom>
+          </p:spPr>
+        </p:pic>
+        <p:sp>
+          <p:nvSpPr>
+            <p:cNvPr id="6" name="TextBox 5"/>
+            <p:cNvSpPr txBox="1"/>
+            <p:nvPr/>
+          </p:nvSpPr>
+          <p:spPr>
+            <a:xfrm>
+              <a:off x="150948" y="1388825"/>
+              <a:ext cx="1729961" cy="369332"/>
+            </a:xfrm>
+            <a:prstGeom prst="rect">
+              <a:avLst/>
+            </a:prstGeom>
+            <a:noFill/>
+          </p:spPr>
+          <p:txBody>
+            <a:bodyPr wrap="none" rtlCol="0">
+              <a:spAutoFit/>
+            </a:bodyPr>
+            <a:lstStyle/>
+            <a:p>
+              <a:r>
+                <a:rPr lang="en-US" altLang="ko-KR" dirty="0" smtClean="0"/>
+                <a:t>Original image</a:t>
+              </a:r>
+              <a:endParaRPr lang="ko-KR" altLang="en-US" dirty="0"/>
+            </a:p>
+          </p:txBody>
+        </p:sp>
+        <p:sp>
+          <p:nvSpPr>
+            <p:cNvPr id="7" name="TextBox 6"/>
+            <p:cNvSpPr txBox="1"/>
+            <p:nvPr/>
+          </p:nvSpPr>
+          <p:spPr>
+            <a:xfrm>
+              <a:off x="1639556" y="3192823"/>
+              <a:ext cx="1088375" cy="369332"/>
+            </a:xfrm>
+            <a:prstGeom prst="rect">
+              <a:avLst/>
+            </a:prstGeom>
+            <a:noFill/>
+          </p:spPr>
+          <p:txBody>
+            <a:bodyPr wrap="none" rtlCol="0">
+              <a:spAutoFit/>
+            </a:bodyPr>
+            <a:lstStyle/>
+            <a:p>
+              <a:r>
+                <a:rPr lang="en-US" altLang="ko-KR" dirty="0" smtClean="0"/>
+                <a:t>MEAN_C</a:t>
+              </a:r>
+              <a:endParaRPr lang="ko-KR" altLang="en-US" dirty="0"/>
+            </a:p>
+          </p:txBody>
+        </p:sp>
+        <p:sp>
+          <p:nvSpPr>
+            <p:cNvPr id="9" name="TextBox 8"/>
+            <p:cNvSpPr txBox="1"/>
+            <p:nvPr/>
+          </p:nvSpPr>
+          <p:spPr>
+            <a:xfrm>
+              <a:off x="1109736" y="4676241"/>
+              <a:ext cx="1542345" cy="369332"/>
+            </a:xfrm>
+            <a:prstGeom prst="rect">
+              <a:avLst/>
+            </a:prstGeom>
+            <a:noFill/>
+          </p:spPr>
+          <p:txBody>
+            <a:bodyPr wrap="none" rtlCol="0">
+              <a:spAutoFit/>
+            </a:bodyPr>
+            <a:lstStyle/>
+            <a:p>
+              <a:r>
+                <a:rPr lang="en-US" altLang="ko-KR" dirty="0" smtClean="0"/>
+                <a:t>GAUSSIAN_C</a:t>
+              </a:r>
+              <a:endParaRPr lang="ko-KR" altLang="en-US" dirty="0"/>
+            </a:p>
+          </p:txBody>
+        </p:sp>
+        <p:pic>
+          <p:nvPicPr>
+            <p:cNvPr id="10" name="그림 9"/>
+            <p:cNvPicPr>
+              <a:picLocks noChangeAspect="1"/>
+            </p:cNvPicPr>
+            <p:nvPr/>
+          </p:nvPicPr>
+          <p:blipFill>
+            <a:blip r:embed="rId4"/>
+            <a:stretch>
+              <a:fillRect/>
+            </a:stretch>
+          </p:blipFill>
+          <p:spPr>
+            <a:xfrm>
+              <a:off x="5363256" y="1573491"/>
+              <a:ext cx="2880000" cy="4531508"/>
+            </a:xfrm>
+            <a:prstGeom prst="rect">
+              <a:avLst/>
+            </a:prstGeom>
+          </p:spPr>
+        </p:pic>
+        <p:sp>
+          <p:nvSpPr>
+            <p:cNvPr id="14" name="TextBox 13"/>
+            <p:cNvSpPr txBox="1"/>
+            <p:nvPr/>
+          </p:nvSpPr>
+          <p:spPr>
+            <a:xfrm>
+              <a:off x="3306699" y="1268932"/>
+              <a:ext cx="1784463" cy="369332"/>
+            </a:xfrm>
+            <a:prstGeom prst="rect">
+              <a:avLst/>
+            </a:prstGeom>
+            <a:noFill/>
+          </p:spPr>
+          <p:txBody>
+            <a:bodyPr wrap="none" rtlCol="0">
+              <a:spAutoFit/>
+            </a:bodyPr>
+            <a:lstStyle/>
+            <a:p>
+              <a:r>
+                <a:rPr lang="en-US" altLang="ko-KR" b="1" dirty="0" smtClean="0"/>
+                <a:t>Block Size : 41</a:t>
+              </a:r>
+              <a:endParaRPr lang="ko-KR" altLang="en-US" b="1" dirty="0"/>
+            </a:p>
+          </p:txBody>
+        </p:sp>
+        <p:sp>
+          <p:nvSpPr>
+            <p:cNvPr id="15" name="TextBox 14"/>
+            <p:cNvSpPr txBox="1"/>
+            <p:nvPr/>
+          </p:nvSpPr>
+          <p:spPr>
+            <a:xfrm>
+              <a:off x="5984748" y="1268932"/>
+              <a:ext cx="1784463" cy="369332"/>
+            </a:xfrm>
+            <a:prstGeom prst="rect">
+              <a:avLst/>
+            </a:prstGeom>
+            <a:noFill/>
+          </p:spPr>
+          <p:txBody>
+            <a:bodyPr wrap="none" rtlCol="0">
+              <a:spAutoFit/>
+            </a:bodyPr>
+            <a:lstStyle/>
+            <a:p>
+              <a:r>
+                <a:rPr lang="en-US" altLang="ko-KR" b="1" dirty="0" smtClean="0"/>
+                <a:t>Block Size : 31</a:t>
+              </a:r>
+              <a:endParaRPr lang="ko-KR" altLang="en-US" b="1" dirty="0"/>
+            </a:p>
+          </p:txBody>
+        </p:sp>
+      </p:grpSp>
+    </p:spTree>
+    <p:extLst>
+      <p:ext uri="{BB962C8B-B14F-4D97-AF65-F5344CB8AC3E}">
+        <p14:creationId xmlns:p14="http://schemas.microsoft.com/office/powerpoint/2010/main" val="2235733307"/>
+      </p:ext>
+    </p:extLst>
+  </p:cSld>
+  <p:clrMapOvr>
+    <a:masterClrMapping/>
+  </p:clrMapOvr>
+</p:sld>
+</file>
+
+<file path=ppt/slides/slide13.xml><?xml version="1.0" encoding="utf-8"?>
+<p:sld xmlns:a="http://schemas.openxmlformats.org/drawingml/2006/main" xmlns:r="http://schemas.openxmlformats.org/officeDocument/2006/relationships" xmlns:p="http://schemas.openxmlformats.org/presentationml/2006/main">
+  <p:cSld>
+    <p:spTree>
+      <p:nvGrpSpPr>
+        <p:cNvPr id="1" name=""/>
+        <p:cNvGrpSpPr/>
+        <p:nvPr/>
+      </p:nvGrpSpPr>
+      <p:grpSpPr>
+        <a:xfrm>
+          <a:off x="0" y="0"/>
+          <a:ext cx="0" cy="0"/>
+          <a:chOff x="0" y="0"/>
+          <a:chExt cx="0" cy="0"/>
+        </a:xfrm>
+      </p:grpSpPr>
+      <p:sp>
+        <p:nvSpPr>
+          <p:cNvPr id="2" name="제목 1"/>
+          <p:cNvSpPr>
+            <a:spLocks noGrp="1"/>
+          </p:cNvSpPr>
+          <p:nvPr>
+            <p:ph type="title"/>
+          </p:nvPr>
+        </p:nvSpPr>
+        <p:spPr/>
+        <p:txBody>
+          <a:bodyPr/>
+          <a:lstStyle/>
+          <a:p>
+            <a:r>
+              <a:rPr lang="en-US" altLang="ko-KR" dirty="0" smtClean="0"/>
+              <a:t>Image</a:t>
+            </a:r>
+            <a:r>
+              <a:rPr lang="ko-KR" altLang="en-US" dirty="0" smtClean="0"/>
+              <a:t>에 적용 </a:t>
+            </a:r>
+            <a:r>
+              <a:rPr lang="en-US" altLang="ko-KR" dirty="0" smtClean="0"/>
+              <a:t>/ C</a:t>
+            </a:r>
+            <a:endParaRPr lang="ko-KR" altLang="en-US" dirty="0"/>
+          </a:p>
+        </p:txBody>
+      </p:sp>
+      <p:pic>
+        <p:nvPicPr>
+          <p:cNvPr id="4" name="그림 3"/>
+          <p:cNvPicPr>
+            <a:picLocks noChangeAspect="1"/>
+          </p:cNvPicPr>
+          <p:nvPr/>
+        </p:nvPicPr>
+        <p:blipFill>
+          <a:blip r:embed="rId2"/>
+          <a:stretch>
+            <a:fillRect/>
+          </a:stretch>
+        </p:blipFill>
+        <p:spPr>
+          <a:xfrm>
+            <a:off x="5069840" y="1864089"/>
+            <a:ext cx="2880000" cy="4447810"/>
+          </a:xfrm>
+          <a:prstGeom prst="rect">
+            <a:avLst/>
+          </a:prstGeom>
+        </p:spPr>
+      </p:pic>
+      <p:pic>
+        <p:nvPicPr>
+          <p:cNvPr id="5" name="그림 4"/>
+          <p:cNvPicPr>
+            <a:picLocks noChangeAspect="1"/>
+          </p:cNvPicPr>
+          <p:nvPr/>
+        </p:nvPicPr>
+        <p:blipFill>
+          <a:blip r:embed="rId3"/>
+          <a:stretch>
+            <a:fillRect/>
+          </a:stretch>
+        </p:blipFill>
+        <p:spPr>
+          <a:xfrm>
+            <a:off x="1919016" y="1825625"/>
+            <a:ext cx="2880000" cy="4531508"/>
+          </a:xfrm>
+          <a:prstGeom prst="rect">
+            <a:avLst/>
+          </a:prstGeom>
+        </p:spPr>
+      </p:pic>
+      <p:sp>
+        <p:nvSpPr>
+          <p:cNvPr id="6" name="TextBox 5"/>
+          <p:cNvSpPr txBox="1"/>
+          <p:nvPr/>
+        </p:nvSpPr>
+        <p:spPr>
+          <a:xfrm>
+            <a:off x="3048000" y="1573491"/>
+            <a:ext cx="864339" cy="369332"/>
+          </a:xfrm>
+          <a:prstGeom prst="rect">
+            <a:avLst/>
+          </a:prstGeom>
+          <a:noFill/>
+        </p:spPr>
+        <p:txBody>
+          <a:bodyPr wrap="none" rtlCol="0">
+            <a:spAutoFit/>
+          </a:bodyPr>
+          <a:lstStyle/>
+          <a:p>
+            <a:r>
+              <a:rPr lang="en-US" altLang="ko-KR" dirty="0" smtClean="0"/>
+              <a:t>C = 2 </a:t>
+            </a:r>
+            <a:endParaRPr lang="ko-KR" altLang="en-US" dirty="0"/>
+          </a:p>
+        </p:txBody>
+      </p:sp>
+      <p:sp>
+        <p:nvSpPr>
+          <p:cNvPr id="7" name="TextBox 6"/>
+          <p:cNvSpPr txBox="1"/>
+          <p:nvPr/>
+        </p:nvSpPr>
+        <p:spPr>
+          <a:xfrm>
+            <a:off x="6106160" y="1573491"/>
+            <a:ext cx="909223" cy="369332"/>
+          </a:xfrm>
+          <a:prstGeom prst="rect">
+            <a:avLst/>
+          </a:prstGeom>
+          <a:noFill/>
+        </p:spPr>
+        <p:txBody>
+          <a:bodyPr wrap="none" rtlCol="0">
+            <a:spAutoFit/>
+          </a:bodyPr>
+          <a:lstStyle/>
+          <a:p>
+            <a:r>
+              <a:rPr lang="en-US" altLang="ko-KR" dirty="0" smtClean="0"/>
+              <a:t>C = 10</a:t>
+            </a:r>
+            <a:endParaRPr lang="ko-KR" altLang="en-US" dirty="0"/>
+          </a:p>
+        </p:txBody>
+      </p:sp>
+      <p:sp>
+        <p:nvSpPr>
+          <p:cNvPr id="8" name="TextBox 7"/>
+          <p:cNvSpPr txBox="1"/>
+          <p:nvPr/>
+        </p:nvSpPr>
+        <p:spPr>
+          <a:xfrm>
+            <a:off x="468244" y="2867703"/>
+            <a:ext cx="1088375" cy="369332"/>
+          </a:xfrm>
+          <a:prstGeom prst="rect">
+            <a:avLst/>
+          </a:prstGeom>
+          <a:noFill/>
+        </p:spPr>
+        <p:txBody>
+          <a:bodyPr wrap="none" rtlCol="0">
+            <a:spAutoFit/>
+          </a:bodyPr>
+          <a:lstStyle/>
+          <a:p>
+            <a:r>
+              <a:rPr lang="en-US" altLang="ko-KR" dirty="0" smtClean="0"/>
+              <a:t>MEAN_C</a:t>
+            </a:r>
+            <a:endParaRPr lang="ko-KR" altLang="en-US" dirty="0"/>
+          </a:p>
+        </p:txBody>
+      </p:sp>
+      <p:sp>
+        <p:nvSpPr>
+          <p:cNvPr id="9" name="TextBox 8"/>
+          <p:cNvSpPr txBox="1"/>
+          <p:nvPr/>
+        </p:nvSpPr>
+        <p:spPr>
+          <a:xfrm>
+            <a:off x="468244" y="4351121"/>
+            <a:ext cx="1542345" cy="369332"/>
+          </a:xfrm>
+          <a:prstGeom prst="rect">
+            <a:avLst/>
+          </a:prstGeom>
+          <a:noFill/>
+        </p:spPr>
+        <p:txBody>
+          <a:bodyPr wrap="none" rtlCol="0">
+            <a:spAutoFit/>
+          </a:bodyPr>
+          <a:lstStyle/>
+          <a:p>
+            <a:r>
+              <a:rPr lang="en-US" altLang="ko-KR" dirty="0" smtClean="0"/>
+              <a:t>GAUSSIAN_C</a:t>
+            </a:r>
+            <a:endParaRPr lang="ko-KR" altLang="en-US" dirty="0"/>
+          </a:p>
+        </p:txBody>
+      </p:sp>
+    </p:spTree>
+    <p:extLst>
+      <p:ext uri="{BB962C8B-B14F-4D97-AF65-F5344CB8AC3E}">
+        <p14:creationId xmlns:p14="http://schemas.microsoft.com/office/powerpoint/2010/main" val="818649132"/>
+      </p:ext>
+    </p:extLst>
+  </p:cSld>
+  <p:clrMapOvr>
+    <a:masterClrMapping/>
+  </p:clrMapOvr>
+</p:sld>
+</file>
+
+<file path=ppt/slides/slide14.xml><?xml version="1.0" encoding="utf-8"?>
+<p:sld xmlns:a="http://schemas.openxmlformats.org/drawingml/2006/main" xmlns:r="http://schemas.openxmlformats.org/officeDocument/2006/relationships" xmlns:p="http://schemas.openxmlformats.org/presentationml/2006/main">
+  <p:cSld>
+    <p:spTree>
+      <p:nvGrpSpPr>
+        <p:cNvPr id="1" name=""/>
+        <p:cNvGrpSpPr/>
+        <p:nvPr/>
+      </p:nvGrpSpPr>
+      <p:grpSpPr>
+        <a:xfrm>
+          <a:off x="0" y="0"/>
+          <a:ext cx="0" cy="0"/>
+          <a:chOff x="0" y="0"/>
+          <a:chExt cx="0" cy="0"/>
+        </a:xfrm>
+      </p:grpSpPr>
+      <p:sp>
+        <p:nvSpPr>
+          <p:cNvPr id="2" name="제목 1"/>
+          <p:cNvSpPr>
+            <a:spLocks noGrp="1"/>
+          </p:cNvSpPr>
+          <p:nvPr>
+            <p:ph type="title"/>
+          </p:nvPr>
+        </p:nvSpPr>
+        <p:spPr/>
+        <p:txBody>
+          <a:bodyPr/>
+          <a:lstStyle/>
+          <a:p>
+            <a:r>
+              <a:rPr lang="en-US" altLang="ko-KR" dirty="0" smtClean="0"/>
+              <a:t>Image</a:t>
+            </a:r>
+            <a:r>
+              <a:rPr lang="ko-KR" altLang="en-US" dirty="0" smtClean="0"/>
+              <a:t>에 적용 </a:t>
+            </a:r>
+            <a:endParaRPr lang="ko-KR" altLang="en-US" dirty="0"/>
+          </a:p>
+        </p:txBody>
+      </p:sp>
+      <p:sp>
+        <p:nvSpPr>
+          <p:cNvPr id="3" name="내용 개체 틀 2"/>
+          <p:cNvSpPr>
+            <a:spLocks noGrp="1"/>
+          </p:cNvSpPr>
+          <p:nvPr>
+            <p:ph idx="1"/>
+          </p:nvPr>
+        </p:nvSpPr>
+        <p:spPr>
+          <a:xfrm>
+            <a:off x="5327104" y="1690689"/>
+            <a:ext cx="3188246" cy="4486274"/>
+          </a:xfrm>
+        </p:spPr>
+        <p:txBody>
+          <a:bodyPr/>
+          <a:lstStyle/>
+          <a:p>
+            <a:r>
+              <a:rPr lang="ko-KR" altLang="en-US" dirty="0" smtClean="0"/>
+              <a:t>항상 </a:t>
+            </a:r>
+            <a:r>
+              <a:rPr lang="ko-KR" altLang="en-US" dirty="0" err="1" smtClean="0"/>
+              <a:t>잘되는건</a:t>
+            </a:r>
+            <a:r>
+              <a:rPr lang="ko-KR" altLang="en-US" dirty="0" smtClean="0"/>
+              <a:t> 아님</a:t>
+            </a:r>
+            <a:r>
+              <a:rPr lang="en-US" altLang="ko-KR" dirty="0" smtClean="0"/>
+              <a:t>.. </a:t>
+            </a:r>
+          </a:p>
+        </p:txBody>
+      </p:sp>
+      <p:pic>
+        <p:nvPicPr>
+          <p:cNvPr id="4" name="그림 3"/>
+          <p:cNvPicPr>
+            <a:picLocks noChangeAspect="1"/>
+          </p:cNvPicPr>
+          <p:nvPr/>
+        </p:nvPicPr>
+        <p:blipFill>
+          <a:blip r:embed="rId2"/>
+          <a:stretch>
+            <a:fillRect/>
+          </a:stretch>
+        </p:blipFill>
+        <p:spPr>
+          <a:xfrm>
+            <a:off x="745579" y="1590040"/>
+            <a:ext cx="4464596" cy="5267960"/>
+          </a:xfrm>
+          <a:prstGeom prst="rect">
+            <a:avLst/>
+          </a:prstGeom>
+        </p:spPr>
+      </p:pic>
+    </p:spTree>
+    <p:extLst>
+      <p:ext uri="{BB962C8B-B14F-4D97-AF65-F5344CB8AC3E}">
+        <p14:creationId xmlns:p14="http://schemas.microsoft.com/office/powerpoint/2010/main" val="639296692"/>
+      </p:ext>
+    </p:extLst>
+  </p:cSld>
+  <p:clrMapOvr>
+    <a:masterClrMapping/>
+  </p:clrMapOvr>
+</p:sld>
+</file>
+
+<file path=ppt/slides/slide15.xml><?xml version="1.0" encoding="utf-8"?>
+<p:sld xmlns:a="http://schemas.openxmlformats.org/drawingml/2006/main" xmlns:r="http://schemas.openxmlformats.org/officeDocument/2006/relationships" xmlns:p="http://schemas.openxmlformats.org/presentationml/2006/main">
+  <p:cSld>
+    <p:spTree>
+      <p:nvGrpSpPr>
+        <p:cNvPr id="1" name=""/>
+        <p:cNvGrpSpPr/>
+        <p:nvPr/>
+      </p:nvGrpSpPr>
+      <p:grpSpPr>
+        <a:xfrm>
+          <a:off x="0" y="0"/>
+          <a:ext cx="0" cy="0"/>
+          <a:chOff x="0" y="0"/>
+          <a:chExt cx="0" cy="0"/>
+        </a:xfrm>
+      </p:grpSpPr>
+      <p:sp>
+        <p:nvSpPr>
+          <p:cNvPr id="2" name="제목 1"/>
+          <p:cNvSpPr>
+            <a:spLocks noGrp="1"/>
+          </p:cNvSpPr>
+          <p:nvPr>
+            <p:ph type="title"/>
+          </p:nvPr>
+        </p:nvSpPr>
+        <p:spPr/>
+        <p:txBody>
+          <a:bodyPr/>
+          <a:lstStyle/>
+          <a:p>
+            <a:r>
+              <a:rPr lang="en-US" altLang="ko-KR" dirty="0" smtClean="0"/>
+              <a:t>Image</a:t>
+            </a:r>
+            <a:r>
+              <a:rPr lang="ko-KR" altLang="en-US" dirty="0" smtClean="0"/>
+              <a:t>에 적용 </a:t>
+            </a:r>
+            <a:r>
+              <a:rPr lang="en-US" altLang="ko-KR" dirty="0" smtClean="0"/>
+              <a:t>2</a:t>
+            </a:r>
+            <a:endParaRPr lang="ko-KR" altLang="en-US" dirty="0"/>
+          </a:p>
+        </p:txBody>
+      </p:sp>
+      <p:sp>
+        <p:nvSpPr>
+          <p:cNvPr id="3" name="내용 개체 틀 2"/>
+          <p:cNvSpPr>
+            <a:spLocks noGrp="1"/>
+          </p:cNvSpPr>
+          <p:nvPr>
+            <p:ph idx="1"/>
+          </p:nvPr>
+        </p:nvSpPr>
+        <p:spPr>
+          <a:xfrm>
+            <a:off x="205977" y="4629593"/>
+            <a:ext cx="3987332" cy="1445769"/>
+          </a:xfrm>
+        </p:spPr>
+        <p:txBody>
+          <a:bodyPr/>
+          <a:lstStyle/>
+          <a:p>
+            <a:r>
+              <a:rPr lang="en-US" altLang="ko-KR" dirty="0" smtClean="0"/>
+              <a:t>Block size</a:t>
+            </a:r>
+            <a:r>
+              <a:rPr lang="ko-KR" altLang="en-US" dirty="0" smtClean="0"/>
+              <a:t>와 </a:t>
+            </a:r>
+            <a:r>
+              <a:rPr lang="en-US" altLang="ko-KR" dirty="0" smtClean="0"/>
+              <a:t>C</a:t>
+            </a:r>
+            <a:r>
+              <a:rPr lang="ko-KR" altLang="en-US" dirty="0" smtClean="0"/>
+              <a:t>를 적절히 조절</a:t>
+            </a:r>
+            <a:endParaRPr lang="en-US" altLang="ko-KR" dirty="0" smtClean="0"/>
+          </a:p>
+          <a:p>
+            <a:r>
+              <a:rPr lang="en-US" altLang="ko-KR" dirty="0"/>
+              <a:t> </a:t>
+            </a:r>
+            <a:r>
+              <a:rPr lang="ko-KR" altLang="en-US" dirty="0" smtClean="0"/>
+              <a:t>어렵군요</a:t>
+            </a:r>
+            <a:r>
+              <a:rPr lang="en-US" altLang="ko-KR" dirty="0" smtClean="0"/>
+              <a:t>..</a:t>
+            </a:r>
+            <a:endParaRPr lang="ko-KR" altLang="en-US" dirty="0"/>
+          </a:p>
+        </p:txBody>
+      </p:sp>
+      <p:pic>
+        <p:nvPicPr>
+          <p:cNvPr id="4" name="그림 3"/>
+          <p:cNvPicPr>
+            <a:picLocks noChangeAspect="1"/>
+          </p:cNvPicPr>
+          <p:nvPr/>
+        </p:nvPicPr>
+        <p:blipFill rotWithShape="1">
+          <a:blip r:embed="rId2"/>
+          <a:srcRect l="6469" t="3566" r="2989" b="10686"/>
+          <a:stretch/>
+        </p:blipFill>
+        <p:spPr>
+          <a:xfrm>
+            <a:off x="4645891" y="1934489"/>
+            <a:ext cx="3869459" cy="2175693"/>
+          </a:xfrm>
+          <a:prstGeom prst="rect">
+            <a:avLst/>
+          </a:prstGeom>
+        </p:spPr>
+      </p:pic>
+      <p:sp>
+        <p:nvSpPr>
+          <p:cNvPr id="5" name="TextBox 4"/>
+          <p:cNvSpPr txBox="1"/>
+          <p:nvPr/>
+        </p:nvSpPr>
+        <p:spPr>
+          <a:xfrm>
+            <a:off x="5242980" y="4169316"/>
+            <a:ext cx="2868093" cy="369332"/>
+          </a:xfrm>
+          <a:prstGeom prst="rect">
+            <a:avLst/>
+          </a:prstGeom>
+          <a:noFill/>
+        </p:spPr>
+        <p:txBody>
+          <a:bodyPr wrap="none" rtlCol="0">
+            <a:spAutoFit/>
+          </a:bodyPr>
+          <a:lstStyle/>
+          <a:p>
+            <a:r>
+              <a:rPr lang="en-US" altLang="ko-KR" b="1" dirty="0" smtClean="0"/>
+              <a:t>Block size 201, C = -100</a:t>
+            </a:r>
+            <a:endParaRPr lang="ko-KR" altLang="en-US" b="1" dirty="0"/>
+          </a:p>
+        </p:txBody>
+      </p:sp>
+      <p:pic>
+        <p:nvPicPr>
+          <p:cNvPr id="6" name="그림 5"/>
+          <p:cNvPicPr>
+            <a:picLocks noChangeAspect="1"/>
+          </p:cNvPicPr>
+          <p:nvPr/>
+        </p:nvPicPr>
+        <p:blipFill rotWithShape="1">
+          <a:blip r:embed="rId3"/>
+          <a:srcRect l="1588" t="49652"/>
+          <a:stretch/>
+        </p:blipFill>
+        <p:spPr>
+          <a:xfrm>
+            <a:off x="205977" y="1918779"/>
+            <a:ext cx="4393681" cy="2652331"/>
+          </a:xfrm>
+          <a:prstGeom prst="rect">
+            <a:avLst/>
+          </a:prstGeom>
+        </p:spPr>
+      </p:pic>
+      <p:sp>
+        <p:nvSpPr>
+          <p:cNvPr id="7" name="직사각형 6"/>
+          <p:cNvSpPr/>
+          <p:nvPr/>
+        </p:nvSpPr>
+        <p:spPr>
+          <a:xfrm>
+            <a:off x="718820" y="2091259"/>
+            <a:ext cx="708660" cy="659986"/>
+          </a:xfrm>
+          <a:prstGeom prst="rect">
+            <a:avLst/>
+          </a:prstGeom>
+          <a:noFill/>
+          <a:ln w="25400">
+            <a:solidFill>
+              <a:srgbClr val="FF0000"/>
+            </a:solidFill>
+          </a:ln>
+        </p:spPr>
+        <p:style>
+          <a:lnRef idx="2">
+            <a:schemeClr val="accent1">
+              <a:shade val="50000"/>
+            </a:schemeClr>
+          </a:lnRef>
+          <a:fillRef idx="1">
+            <a:schemeClr val="accent1"/>
+          </a:fillRef>
+          <a:effectRef idx="0">
+            <a:schemeClr val="accent1"/>
+          </a:effectRef>
+          <a:fontRef idx="minor">
+            <a:schemeClr val="lt1"/>
+          </a:fontRef>
+        </p:style>
+        <p:txBody>
+          <a:bodyPr rtlCol="0" anchor="ctr"/>
+          <a:lstStyle/>
+          <a:p>
+            <a:pPr algn="ctr"/>
+            <a:endParaRPr lang="ko-KR" altLang="en-US"/>
+          </a:p>
+        </p:txBody>
+      </p:sp>
+      <p:sp>
+        <p:nvSpPr>
+          <p:cNvPr id="8" name="TextBox 7"/>
+          <p:cNvSpPr txBox="1"/>
+          <p:nvPr/>
+        </p:nvSpPr>
+        <p:spPr>
+          <a:xfrm>
+            <a:off x="212096" y="1348509"/>
+            <a:ext cx="4313145" cy="923330"/>
+          </a:xfrm>
+          <a:prstGeom prst="rect">
+            <a:avLst/>
+          </a:prstGeom>
+          <a:noFill/>
+        </p:spPr>
+        <p:txBody>
+          <a:bodyPr wrap="square" rtlCol="0">
+            <a:spAutoFit/>
+          </a:bodyPr>
+          <a:lstStyle/>
+          <a:p>
+            <a:r>
+              <a:rPr lang="ko-KR" altLang="en-US" dirty="0" smtClean="0"/>
+              <a:t>배경 </a:t>
+            </a:r>
+            <a:r>
+              <a:rPr lang="en-US" altLang="ko-KR" dirty="0" smtClean="0"/>
+              <a:t>: </a:t>
+            </a:r>
+            <a:r>
+              <a:rPr lang="ko-KR" altLang="en-US" dirty="0" smtClean="0"/>
+              <a:t>주변과 해당 </a:t>
+            </a:r>
+            <a:r>
+              <a:rPr lang="en-US" altLang="ko-KR" dirty="0" smtClean="0"/>
+              <a:t>pixel </a:t>
+            </a:r>
+            <a:r>
+              <a:rPr lang="ko-KR" altLang="en-US" dirty="0" smtClean="0"/>
+              <a:t>사이 값이 유사</a:t>
+            </a:r>
+            <a:r>
+              <a:rPr lang="en-US" altLang="ko-KR" dirty="0" smtClean="0"/>
+              <a:t>. -&gt; C</a:t>
+            </a:r>
+            <a:r>
+              <a:rPr lang="ko-KR" altLang="en-US" dirty="0" smtClean="0"/>
+              <a:t>를 크게 주면 됨</a:t>
+            </a:r>
+            <a:endParaRPr lang="en-US" altLang="ko-KR" dirty="0" smtClean="0"/>
+          </a:p>
+          <a:p>
+            <a:endParaRPr lang="ko-KR" altLang="en-US" dirty="0"/>
+          </a:p>
+        </p:txBody>
+      </p:sp>
+      <p:pic>
+        <p:nvPicPr>
+          <p:cNvPr id="9" name="그림 8"/>
+          <p:cNvPicPr>
+            <a:picLocks noChangeAspect="1"/>
+          </p:cNvPicPr>
+          <p:nvPr/>
+        </p:nvPicPr>
+        <p:blipFill>
+          <a:blip r:embed="rId4"/>
+          <a:stretch>
+            <a:fillRect/>
+          </a:stretch>
+        </p:blipFill>
+        <p:spPr>
+          <a:xfrm>
+            <a:off x="4525241" y="4503863"/>
+            <a:ext cx="4096106" cy="2433827"/>
+          </a:xfrm>
+          <a:prstGeom prst="rect">
+            <a:avLst/>
+          </a:prstGeom>
+        </p:spPr>
+      </p:pic>
+      <p:sp>
+        <p:nvSpPr>
+          <p:cNvPr id="10" name="TextBox 9"/>
+          <p:cNvSpPr txBox="1"/>
+          <p:nvPr/>
+        </p:nvSpPr>
+        <p:spPr>
+          <a:xfrm>
+            <a:off x="5309504" y="1643560"/>
+            <a:ext cx="2735044" cy="369332"/>
+          </a:xfrm>
+          <a:prstGeom prst="rect">
+            <a:avLst/>
+          </a:prstGeom>
+          <a:noFill/>
+        </p:spPr>
+        <p:txBody>
+          <a:bodyPr wrap="none" rtlCol="0">
+            <a:spAutoFit/>
+          </a:bodyPr>
+          <a:lstStyle/>
+          <a:p>
+            <a:r>
+              <a:rPr lang="en-US" altLang="ko-KR" b="1" dirty="0" smtClean="0"/>
+              <a:t>Block size 201, C = -51</a:t>
+            </a:r>
+            <a:endParaRPr lang="ko-KR" altLang="en-US" b="1" dirty="0"/>
+          </a:p>
+        </p:txBody>
+      </p:sp>
+    </p:spTree>
+    <p:extLst>
+      <p:ext uri="{BB962C8B-B14F-4D97-AF65-F5344CB8AC3E}">
+        <p14:creationId xmlns:p14="http://schemas.microsoft.com/office/powerpoint/2010/main" val="4124238732"/>
+      </p:ext>
+    </p:extLst>
+  </p:cSld>
+  <p:clrMapOvr>
+    <a:masterClrMapping/>
+  </p:clrMapOvr>
+</p:sld>
+</file>
+
+<file path=ppt/slides/slide16.xml><?xml version="1.0" encoding="utf-8"?>
+<p:sld xmlns:a="http://schemas.openxmlformats.org/drawingml/2006/main" xmlns:r="http://schemas.openxmlformats.org/officeDocument/2006/relationships" xmlns:p="http://schemas.openxmlformats.org/presentationml/2006/main">
+  <p:cSld>
+    <p:spTree>
+      <p:nvGrpSpPr>
+        <p:cNvPr id="1" name=""/>
+        <p:cNvGrpSpPr/>
+        <p:nvPr/>
+      </p:nvGrpSpPr>
+      <p:grpSpPr>
+        <a:xfrm>
+          <a:off x="0" y="0"/>
+          <a:ext cx="0" cy="0"/>
+          <a:chOff x="0" y="0"/>
+          <a:chExt cx="0" cy="0"/>
+        </a:xfrm>
+      </p:grpSpPr>
+      <p:sp>
+        <p:nvSpPr>
+          <p:cNvPr id="2" name="제목 1"/>
+          <p:cNvSpPr>
+            <a:spLocks noGrp="1"/>
+          </p:cNvSpPr>
+          <p:nvPr>
+            <p:ph type="title"/>
+          </p:nvPr>
+        </p:nvSpPr>
+        <p:spPr/>
+        <p:txBody>
+          <a:bodyPr/>
+          <a:lstStyle/>
+          <a:p>
+            <a:r>
               <a:rPr lang="en-US" altLang="ko-KR" dirty="0" smtClean="0"/>
               <a:t>Otsu’s algorithm</a:t>
             </a:r>
@@ -3848,7 +4806,7 @@
         </p:nvGrpSpPr>
         <p:grpSpPr>
           <a:xfrm>
-            <a:off x="1504823" y="2447084"/>
+            <a:off x="1384751" y="2502502"/>
             <a:ext cx="5771929" cy="2401284"/>
             <a:chOff x="1456055" y="2865040"/>
             <a:chExt cx="5771929" cy="2401284"/>
@@ -3950,7 +4908,7 @@
 </p:sld>
 </file>
 
-<file path=ppt/slides/slide12.xml><?xml version="1.0" encoding="utf-8"?>
+<file path=ppt/slides/slide17.xml><?xml version="1.0" encoding="utf-8"?>
 <p:sld xmlns:a="http://schemas.openxmlformats.org/drawingml/2006/main" xmlns:r="http://schemas.openxmlformats.org/officeDocument/2006/relationships" xmlns:p="http://schemas.openxmlformats.org/presentationml/2006/main">
   <p:cSld>
     <p:spTree>
@@ -3982,7 +4940,11 @@
           <a:bodyPr/>
           <a:lstStyle/>
           <a:p>
-            <a:endParaRPr lang="ko-KR" altLang="en-US"/>
+            <a:r>
+              <a:rPr lang="en-US" altLang="ko-KR" dirty="0"/>
+              <a:t>Otsu’s algorithm</a:t>
+            </a:r>
+            <a:endParaRPr lang="ko-KR" altLang="en-US" dirty="0"/>
           </a:p>
         </p:txBody>
       </p:sp>
@@ -4010,9 +4972,50 @@
         </p:blipFill>
         <p:spPr>
           <a:xfrm>
-            <a:off x="2289175" y="2362994"/>
+            <a:off x="4426802" y="2233685"/>
             <a:ext cx="4088548" cy="3072606"/>
           </a:xfrm>
+        </p:spPr>
+      </p:pic>
+      <p:pic>
+        <p:nvPicPr>
+          <p:cNvPr id="5122" name="Picture 2" descr="otsu algorithmì ëí ì´ë¯¸ì§ ê²ìê²°ê³¼"/>
+          <p:cNvPicPr>
+            <a:picLocks noChangeAspect="1" noChangeArrowheads="1"/>
+          </p:cNvPicPr>
+          <p:nvPr/>
+        </p:nvPicPr>
+        <p:blipFill>
+          <a:blip r:embed="rId3">
+            <a:extLst>
+              <a:ext uri="{28A0092B-C50C-407E-A947-70E740481C1C}">
+                <a14:useLocalDpi xmlns:a14="http://schemas.microsoft.com/office/drawing/2010/main" val="0"/>
+              </a:ext>
+            </a:extLst>
+          </a:blip>
+          <a:srcRect/>
+          <a:stretch>
+            <a:fillRect/>
+          </a:stretch>
+        </p:blipFill>
+        <p:spPr bwMode="auto">
+          <a:xfrm>
+            <a:off x="561975" y="2732664"/>
+            <a:ext cx="3238500" cy="1895476"/>
+          </a:xfrm>
+          <a:prstGeom prst="rect">
+            <a:avLst/>
+          </a:prstGeom>
+          <a:noFill/>
+          <a:extLst>
+            <a:ext uri="{909E8E84-426E-40DD-AFC4-6F175D3DCCD1}">
+              <a14:hiddenFill xmlns:a14="http://schemas.microsoft.com/office/drawing/2010/main">
+                <a:solidFill>
+                  <a:srgbClr val="FFFFFF"/>
+                </a:solidFill>
+              </a14:hiddenFill>
+            </a:ext>
+          </a:extLst>
         </p:spPr>
       </p:pic>
     </p:spTree>
@@ -4035,7 +5038,7 @@
 </p:sld>
 </file>
 
-<file path=ppt/slides/slide13.xml><?xml version="1.0" encoding="utf-8"?>
+<file path=ppt/slides/slide18.xml><?xml version="1.0" encoding="utf-8"?>
 <p:sld xmlns:a="http://schemas.openxmlformats.org/drawingml/2006/main" xmlns:r="http://schemas.openxmlformats.org/officeDocument/2006/relationships" xmlns:p="http://schemas.openxmlformats.org/presentationml/2006/main">
   <p:cSld>
     <p:spTree>
@@ -4068,8 +5071,8 @@
           <a:lstStyle/>
           <a:p>
             <a:r>
-              <a:rPr lang="en-US" altLang="ko-KR" dirty="0" smtClean="0"/>
-              <a:t>code</a:t>
+              <a:rPr lang="ko-KR" altLang="en-US" dirty="0" smtClean="0"/>
+              <a:t>함수</a:t>
             </a:r>
             <a:endParaRPr lang="ko-KR" altLang="en-US" dirty="0"/>
           </a:p>
@@ -4129,7 +5132,7 @@
 </p:sld>
 </file>
 
-<file path=ppt/slides/slide14.xml><?xml version="1.0" encoding="utf-8"?>
+<file path=ppt/slides/slide19.xml><?xml version="1.0" encoding="utf-8"?>
 <p:sld xmlns:a="http://schemas.openxmlformats.org/drawingml/2006/main" xmlns:r="http://schemas.openxmlformats.org/officeDocument/2006/relationships" xmlns:p="http://schemas.openxmlformats.org/presentationml/2006/main">
   <p:cSld>
     <p:spTree>
@@ -4161,44 +5164,19 @@
           <a:bodyPr/>
           <a:lstStyle/>
           <a:p>
-            <a:r>
-              <a:rPr lang="en-US" altLang="ko-KR" dirty="0" smtClean="0"/>
-              <a:t>Image</a:t>
-            </a:r>
-            <a:r>
-              <a:rPr lang="ko-KR" altLang="en-US" dirty="0" smtClean="0"/>
-              <a:t>에 적용 </a:t>
-            </a:r>
-            <a:endParaRPr lang="ko-KR" altLang="en-US" dirty="0"/>
-          </a:p>
-        </p:txBody>
-      </p:sp>
-      <p:sp>
-        <p:nvSpPr>
-          <p:cNvPr id="3" name="내용 개체 틀 2"/>
-          <p:cNvSpPr>
-            <a:spLocks noGrp="1"/>
-          </p:cNvSpPr>
-          <p:nvPr>
-            <p:ph idx="1"/>
-          </p:nvPr>
-        </p:nvSpPr>
-        <p:spPr/>
-        <p:txBody>
-          <a:bodyPr/>
-          <a:lstStyle/>
-          <a:p>
             <a:endParaRPr lang="ko-KR" altLang="en-US"/>
           </a:p>
         </p:txBody>
       </p:sp>
       <p:pic>
         <p:nvPicPr>
-          <p:cNvPr id="5" name="그림 4"/>
+          <p:cNvPr id="5" name="내용 개체 틀 4"/>
           <p:cNvPicPr>
-            <a:picLocks noChangeAspect="1"/>
+            <a:picLocks noGrp="1" noChangeAspect="1"/>
           </p:cNvPicPr>
-          <p:nvPr/>
+          <p:nvPr>
+            <p:ph idx="1"/>
+          </p:nvPr>
         </p:nvPicPr>
         <p:blipFill>
           <a:blip r:embed="rId2"/>
@@ -4208,8 +5186,8 @@
         </p:blipFill>
         <p:spPr>
           <a:xfrm>
-            <a:off x="628650" y="1856963"/>
-            <a:ext cx="8092394" cy="4320000"/>
+            <a:off x="1428851" y="1351280"/>
+            <a:ext cx="6024442" cy="5384483"/>
           </a:xfrm>
           <a:prstGeom prst="rect">
             <a:avLst/>
@@ -4219,380 +5197,7 @@
     </p:spTree>
     <p:extLst>
       <p:ext uri="{BB962C8B-B14F-4D97-AF65-F5344CB8AC3E}">
-        <p14:creationId xmlns:p14="http://schemas.microsoft.com/office/powerpoint/2010/main" val="898679038"/>
-      </p:ext>
-    </p:extLst>
-  </p:cSld>
-  <p:clrMapOvr>
-    <a:masterClrMapping/>
-  </p:clrMapOvr>
-</p:sld>
-</file>
-
-<file path=ppt/slides/slide15.xml><?xml version="1.0" encoding="utf-8"?>
-<p:sld xmlns:a="http://schemas.openxmlformats.org/drawingml/2006/main" xmlns:r="http://schemas.openxmlformats.org/officeDocument/2006/relationships" xmlns:p="http://schemas.openxmlformats.org/presentationml/2006/main">
-  <p:cSld>
-    <p:spTree>
-      <p:nvGrpSpPr>
-        <p:cNvPr id="1" name=""/>
-        <p:cNvGrpSpPr/>
-        <p:nvPr/>
-      </p:nvGrpSpPr>
-      <p:grpSpPr>
-        <a:xfrm>
-          <a:off x="0" y="0"/>
-          <a:ext cx="0" cy="0"/>
-          <a:chOff x="0" y="0"/>
-          <a:chExt cx="0" cy="0"/>
-        </a:xfrm>
-      </p:grpSpPr>
-      <p:sp>
-        <p:nvSpPr>
-          <p:cNvPr id="2" name="제목 1"/>
-          <p:cNvSpPr>
-            <a:spLocks noGrp="1"/>
-          </p:cNvSpPr>
-          <p:nvPr>
-            <p:ph type="title"/>
-          </p:nvPr>
-        </p:nvSpPr>
-        <p:spPr/>
-        <p:txBody>
-          <a:bodyPr/>
-          <a:lstStyle/>
-          <a:p>
-            <a:r>
-              <a:rPr lang="en-US" altLang="ko-KR" dirty="0" err="1" smtClean="0"/>
-              <a:t>hysterysis</a:t>
-            </a:r>
-            <a:endParaRPr lang="ko-KR" altLang="en-US" dirty="0"/>
-          </a:p>
-        </p:txBody>
-      </p:sp>
-      <p:sp>
-        <p:nvSpPr>
-          <p:cNvPr id="3" name="내용 개체 틀 2"/>
-          <p:cNvSpPr>
-            <a:spLocks noGrp="1"/>
-          </p:cNvSpPr>
-          <p:nvPr>
-            <p:ph idx="1"/>
-          </p:nvPr>
-        </p:nvSpPr>
-        <p:spPr/>
-        <p:txBody>
-          <a:bodyPr/>
-          <a:lstStyle/>
-          <a:p>
-            <a:r>
-              <a:rPr lang="ko-KR" altLang="en-US" dirty="0" smtClean="0"/>
-              <a:t>주변 상황을 고려</a:t>
-            </a:r>
-            <a:r>
-              <a:rPr lang="en-US" altLang="ko-KR" dirty="0" smtClean="0"/>
-              <a:t>. </a:t>
-            </a:r>
-          </a:p>
-          <a:p>
-            <a:r>
-              <a:rPr lang="en-US" altLang="ko-KR" dirty="0" smtClean="0"/>
-              <a:t>Canny edge </a:t>
-            </a:r>
-            <a:r>
-              <a:rPr lang="en-US" altLang="ko-KR" dirty="0" err="1" smtClean="0"/>
-              <a:t>detectio</a:t>
-            </a:r>
-            <a:r>
-              <a:rPr lang="ko-KR" altLang="en-US" dirty="0" smtClean="0"/>
-              <a:t>과 연관</a:t>
-            </a:r>
-            <a:r>
-              <a:rPr lang="en-US" altLang="ko-KR" dirty="0" smtClean="0"/>
-              <a:t>?</a:t>
-            </a:r>
-          </a:p>
-          <a:p>
-            <a:pPr lvl="1"/>
-            <a:r>
-              <a:rPr lang="en-US" altLang="ko-KR" dirty="0" smtClean="0"/>
-              <a:t>High threshold, low threshold</a:t>
-            </a:r>
-            <a:r>
-              <a:rPr lang="ko-KR" altLang="en-US" dirty="0" smtClean="0"/>
-              <a:t>가 있음</a:t>
-            </a:r>
-            <a:endParaRPr lang="en-US" altLang="ko-KR" dirty="0" smtClean="0"/>
-          </a:p>
-          <a:p>
-            <a:pPr lvl="1"/>
-            <a:r>
-              <a:rPr lang="en-US" altLang="ko-KR" dirty="0" smtClean="0"/>
-              <a:t>High threshold</a:t>
-            </a:r>
-            <a:r>
-              <a:rPr lang="ko-KR" altLang="en-US" dirty="0" smtClean="0"/>
-              <a:t>를 넘으면</a:t>
-            </a:r>
-            <a:r>
-              <a:rPr lang="en-US" altLang="ko-KR" dirty="0"/>
-              <a:t> </a:t>
-            </a:r>
-            <a:r>
-              <a:rPr lang="en-US" altLang="ko-KR" dirty="0" smtClean="0"/>
-              <a:t>edge</a:t>
-            </a:r>
-          </a:p>
-          <a:p>
-            <a:pPr lvl="1"/>
-            <a:r>
-              <a:rPr lang="en-US" altLang="ko-KR" dirty="0" smtClean="0"/>
-              <a:t>Low threshold </a:t>
-            </a:r>
-            <a:r>
-              <a:rPr lang="ko-KR" altLang="en-US" dirty="0" err="1" smtClean="0"/>
-              <a:t>아래면</a:t>
-            </a:r>
-            <a:r>
-              <a:rPr lang="ko-KR" altLang="en-US" dirty="0" smtClean="0"/>
-              <a:t> </a:t>
-            </a:r>
-            <a:r>
-              <a:rPr lang="en-US" altLang="ko-KR" dirty="0" smtClean="0"/>
-              <a:t>edge</a:t>
-            </a:r>
-            <a:r>
-              <a:rPr lang="ko-KR" altLang="en-US" dirty="0" smtClean="0"/>
-              <a:t>가 아님</a:t>
-            </a:r>
-            <a:endParaRPr lang="en-US" altLang="ko-KR" dirty="0" smtClean="0"/>
-          </a:p>
-          <a:p>
-            <a:pPr lvl="1"/>
-            <a:r>
-              <a:rPr lang="ko-KR" altLang="en-US" dirty="0" smtClean="0"/>
-              <a:t>중간에 있을 경우 주변에 </a:t>
-            </a:r>
-            <a:r>
-              <a:rPr lang="en-US" altLang="ko-KR" dirty="0" smtClean="0"/>
-              <a:t>edge</a:t>
-            </a:r>
-            <a:r>
-              <a:rPr lang="ko-KR" altLang="en-US" dirty="0" smtClean="0"/>
-              <a:t>가 있으면 </a:t>
-            </a:r>
-            <a:r>
-              <a:rPr lang="en-US" altLang="ko-KR" dirty="0" smtClean="0"/>
-              <a:t>edge, </a:t>
-            </a:r>
-            <a:r>
-              <a:rPr lang="ko-KR" altLang="en-US" dirty="0" smtClean="0"/>
-              <a:t>아니면 아님</a:t>
-            </a:r>
-            <a:r>
-              <a:rPr lang="en-US" altLang="ko-KR" dirty="0" smtClean="0"/>
-              <a:t>. </a:t>
-            </a:r>
-          </a:p>
-          <a:p>
-            <a:pPr lvl="1"/>
-            <a:endParaRPr lang="ko-KR" altLang="en-US" dirty="0"/>
-          </a:p>
-        </p:txBody>
-      </p:sp>
-    </p:spTree>
-    <p:extLst>
-      <p:ext uri="{BB962C8B-B14F-4D97-AF65-F5344CB8AC3E}">
-        <p14:creationId xmlns:p14="http://schemas.microsoft.com/office/powerpoint/2010/main" val="720503163"/>
-      </p:ext>
-    </p:extLst>
-  </p:cSld>
-  <p:clrMapOvr>
-    <a:masterClrMapping/>
-  </p:clrMapOvr>
-</p:sld>
-</file>
-
-<file path=ppt/slides/slide16.xml><?xml version="1.0" encoding="utf-8"?>
-<p:sld xmlns:a="http://schemas.openxmlformats.org/drawingml/2006/main" xmlns:r="http://schemas.openxmlformats.org/officeDocument/2006/relationships" xmlns:p="http://schemas.openxmlformats.org/presentationml/2006/main">
-  <p:cSld>
-    <p:spTree>
-      <p:nvGrpSpPr>
-        <p:cNvPr id="1" name=""/>
-        <p:cNvGrpSpPr/>
-        <p:nvPr/>
-      </p:nvGrpSpPr>
-      <p:grpSpPr>
-        <a:xfrm>
-          <a:off x="0" y="0"/>
-          <a:ext cx="0" cy="0"/>
-          <a:chOff x="0" y="0"/>
-          <a:chExt cx="0" cy="0"/>
-        </a:xfrm>
-      </p:grpSpPr>
-      <p:sp>
-        <p:nvSpPr>
-          <p:cNvPr id="2" name="제목 1"/>
-          <p:cNvSpPr>
-            <a:spLocks noGrp="1"/>
-          </p:cNvSpPr>
-          <p:nvPr>
-            <p:ph type="title"/>
-          </p:nvPr>
-        </p:nvSpPr>
-        <p:spPr/>
-        <p:txBody>
-          <a:bodyPr/>
-          <a:lstStyle/>
-          <a:p>
-            <a:r>
-              <a:rPr lang="ko-KR" altLang="en-US" dirty="0" smtClean="0"/>
-              <a:t>시도</a:t>
-            </a:r>
-            <a:endParaRPr lang="ko-KR" altLang="en-US" dirty="0"/>
-          </a:p>
-        </p:txBody>
-      </p:sp>
-      <p:sp>
-        <p:nvSpPr>
-          <p:cNvPr id="3" name="내용 개체 틀 2"/>
-          <p:cNvSpPr>
-            <a:spLocks noGrp="1"/>
-          </p:cNvSpPr>
-          <p:nvPr>
-            <p:ph idx="1"/>
-          </p:nvPr>
-        </p:nvSpPr>
-        <p:spPr>
-          <a:xfrm>
-            <a:off x="6410035" y="1413164"/>
-            <a:ext cx="2639375" cy="5273963"/>
-          </a:xfrm>
-        </p:spPr>
-        <p:txBody>
-          <a:bodyPr>
-            <a:normAutofit/>
-          </a:bodyPr>
-          <a:lstStyle/>
-          <a:p>
-            <a:r>
-              <a:rPr lang="en-US" altLang="ko-KR" dirty="0" smtClean="0"/>
-              <a:t>Local threshold</a:t>
-            </a:r>
-            <a:r>
-              <a:rPr lang="ko-KR" altLang="en-US" dirty="0" smtClean="0"/>
-              <a:t>를</a:t>
-            </a:r>
-            <a:r>
-              <a:rPr lang="en-US" altLang="ko-KR" dirty="0"/>
-              <a:t> </a:t>
-            </a:r>
-            <a:r>
-              <a:rPr lang="en-US" altLang="ko-KR" dirty="0" err="1" smtClean="0"/>
-              <a:t>otsu</a:t>
-            </a:r>
-            <a:r>
-              <a:rPr lang="ko-KR" altLang="en-US" dirty="0" smtClean="0"/>
-              <a:t>로 계산</a:t>
-            </a:r>
-            <a:endParaRPr lang="en-US" altLang="ko-KR" dirty="0" smtClean="0"/>
-          </a:p>
-          <a:p>
-            <a:r>
-              <a:rPr lang="en-US" altLang="ko-KR" dirty="0" smtClean="0"/>
-              <a:t>Block size </a:t>
-            </a:r>
-            <a:r>
-              <a:rPr lang="en-US" altLang="ko-KR" smtClean="0"/>
-              <a:t>= 51</a:t>
-            </a:r>
-            <a:endParaRPr lang="en-US" altLang="ko-KR" dirty="0" smtClean="0"/>
-          </a:p>
-          <a:p>
-            <a:r>
-              <a:rPr lang="en-US" altLang="ko-KR" dirty="0" smtClean="0"/>
-              <a:t>Padding = 100</a:t>
-            </a:r>
-            <a:endParaRPr lang="ko-KR" altLang="en-US" dirty="0"/>
-          </a:p>
-        </p:txBody>
-      </p:sp>
-      <p:pic>
-        <p:nvPicPr>
-          <p:cNvPr id="6" name="그림 5"/>
-          <p:cNvPicPr>
-            <a:picLocks noChangeAspect="1"/>
-          </p:cNvPicPr>
-          <p:nvPr/>
-        </p:nvPicPr>
-        <p:blipFill>
-          <a:blip r:embed="rId2"/>
-          <a:stretch>
-            <a:fillRect/>
-          </a:stretch>
-        </p:blipFill>
-        <p:spPr>
-          <a:xfrm>
-            <a:off x="543214" y="1514619"/>
-            <a:ext cx="6070856" cy="4470545"/>
-          </a:xfrm>
-          <a:prstGeom prst="rect">
-            <a:avLst/>
-          </a:prstGeom>
-        </p:spPr>
-      </p:pic>
-    </p:spTree>
-    <p:extLst>
-      <p:ext uri="{BB962C8B-B14F-4D97-AF65-F5344CB8AC3E}">
-        <p14:creationId xmlns:p14="http://schemas.microsoft.com/office/powerpoint/2010/main" val="1122214076"/>
-      </p:ext>
-    </p:extLst>
-  </p:cSld>
-  <p:clrMapOvr>
-    <a:masterClrMapping/>
-  </p:clrMapOvr>
-</p:sld>
-</file>
-
-<file path=ppt/slides/slide17.xml><?xml version="1.0" encoding="utf-8"?>
-<p:sld xmlns:a="http://schemas.openxmlformats.org/drawingml/2006/main" xmlns:r="http://schemas.openxmlformats.org/officeDocument/2006/relationships" xmlns:p="http://schemas.openxmlformats.org/presentationml/2006/main">
-  <p:cSld>
-    <p:spTree>
-      <p:nvGrpSpPr>
-        <p:cNvPr id="1" name=""/>
-        <p:cNvGrpSpPr/>
-        <p:nvPr/>
-      </p:nvGrpSpPr>
-      <p:grpSpPr>
-        <a:xfrm>
-          <a:off x="0" y="0"/>
-          <a:ext cx="0" cy="0"/>
-          <a:chOff x="0" y="0"/>
-          <a:chExt cx="0" cy="0"/>
-        </a:xfrm>
-      </p:grpSpPr>
-      <p:sp>
-        <p:nvSpPr>
-          <p:cNvPr id="2" name="제목 1"/>
-          <p:cNvSpPr>
-            <a:spLocks noGrp="1"/>
-          </p:cNvSpPr>
-          <p:nvPr>
-            <p:ph type="title"/>
-          </p:nvPr>
-        </p:nvSpPr>
-        <p:spPr/>
-        <p:txBody>
-          <a:bodyPr/>
-          <a:lstStyle/>
-          <a:p>
-            <a:endParaRPr lang="ko-KR" altLang="en-US"/>
-          </a:p>
-        </p:txBody>
-      </p:sp>
-    </p:spTree>
-    <p:extLst>
-      <p:ext uri="{BB962C8B-B14F-4D97-AF65-F5344CB8AC3E}">
-        <p14:creationId xmlns:p14="http://schemas.microsoft.com/office/powerpoint/2010/main" val="3264029281"/>
+        <p14:creationId xmlns:p14="http://schemas.microsoft.com/office/powerpoint/2010/main" val="4182799299"/>
       </p:ext>
     </p:extLst>
   </p:cSld>
@@ -4659,7 +5264,9 @@
           </a:xfrm>
         </p:spPr>
         <p:txBody>
-          <a:bodyPr/>
+          <a:bodyPr>
+            <a:normAutofit lnSpcReduction="10000"/>
+          </a:bodyPr>
           <a:lstStyle/>
           <a:p>
             <a:r>
@@ -4696,7 +5303,22 @@
             </a:r>
             <a:r>
               <a:rPr lang="ko-KR" altLang="en-US" dirty="0" smtClean="0"/>
-              <a:t>의 구분</a:t>
+              <a:t>의 </a:t>
+            </a:r>
+            <a:r>
+              <a:rPr lang="ko-KR" altLang="en-US" dirty="0" smtClean="0"/>
+              <a:t>구분</a:t>
+            </a:r>
+            <a:endParaRPr lang="en-US" altLang="ko-KR" dirty="0" smtClean="0"/>
+          </a:p>
+          <a:p>
+            <a:r>
+              <a:rPr lang="ko-KR" altLang="en-US" dirty="0" smtClean="0"/>
+              <a:t>상위 분류</a:t>
+            </a:r>
+            <a:r>
+              <a:rPr lang="en-US" altLang="ko-KR" dirty="0" smtClean="0"/>
+              <a:t>? – image segmentation</a:t>
             </a:r>
             <a:endParaRPr lang="en-US" altLang="ko-KR" dirty="0" smtClean="0"/>
           </a:p>
@@ -4734,7 +5356,7 @@
         </p:blipFill>
         <p:spPr bwMode="auto">
           <a:xfrm>
-            <a:off x="450651" y="1690689"/>
+            <a:off x="385999" y="1690689"/>
             <a:ext cx="4217843" cy="2249518"/>
           </a:xfrm>
           <a:prstGeom prst="rect">
@@ -4775,7 +5397,7 @@
         </p:blipFill>
         <p:spPr bwMode="auto">
           <a:xfrm>
-            <a:off x="4857750" y="1143448"/>
+            <a:off x="4737678" y="1143448"/>
             <a:ext cx="4286250" cy="3048001"/>
           </a:xfrm>
           <a:prstGeom prst="rect">
@@ -4806,6 +5428,720 @@
 </p:sld>
 </file>
 
+<file path=ppt/slides/slide20.xml><?xml version="1.0" encoding="utf-8"?>
+<p:sld xmlns:a="http://schemas.openxmlformats.org/drawingml/2006/main" xmlns:r="http://schemas.openxmlformats.org/officeDocument/2006/relationships" xmlns:p="http://schemas.openxmlformats.org/presentationml/2006/main">
+  <p:cSld>
+    <p:spTree>
+      <p:nvGrpSpPr>
+        <p:cNvPr id="1" name=""/>
+        <p:cNvGrpSpPr/>
+        <p:nvPr/>
+      </p:nvGrpSpPr>
+      <p:grpSpPr>
+        <a:xfrm>
+          <a:off x="0" y="0"/>
+          <a:ext cx="0" cy="0"/>
+          <a:chOff x="0" y="0"/>
+          <a:chExt cx="0" cy="0"/>
+        </a:xfrm>
+      </p:grpSpPr>
+      <p:sp>
+        <p:nvSpPr>
+          <p:cNvPr id="2" name="제목 1"/>
+          <p:cNvSpPr>
+            <a:spLocks noGrp="1"/>
+          </p:cNvSpPr>
+          <p:nvPr>
+            <p:ph type="title"/>
+          </p:nvPr>
+        </p:nvSpPr>
+        <p:spPr/>
+        <p:txBody>
+          <a:bodyPr/>
+          <a:lstStyle/>
+          <a:p>
+            <a:endParaRPr lang="ko-KR" altLang="en-US"/>
+          </a:p>
+        </p:txBody>
+      </p:sp>
+      <p:sp>
+        <p:nvSpPr>
+          <p:cNvPr id="3" name="내용 개체 틀 2"/>
+          <p:cNvSpPr>
+            <a:spLocks noGrp="1"/>
+          </p:cNvSpPr>
+          <p:nvPr>
+            <p:ph idx="1"/>
+          </p:nvPr>
+        </p:nvSpPr>
+        <p:spPr/>
+        <p:txBody>
+          <a:bodyPr/>
+          <a:lstStyle/>
+          <a:p>
+            <a:endParaRPr lang="ko-KR" altLang="en-US"/>
+          </a:p>
+        </p:txBody>
+      </p:sp>
+      <p:pic>
+        <p:nvPicPr>
+          <p:cNvPr id="6146" name="Picture 2" descr="Otsu's Thresholding"/>
+          <p:cNvPicPr>
+            <a:picLocks noChangeAspect="1" noChangeArrowheads="1"/>
+          </p:cNvPicPr>
+          <p:nvPr/>
+        </p:nvPicPr>
+        <p:blipFill>
+          <a:blip r:embed="rId2">
+            <a:extLst>
+              <a:ext uri="{28A0092B-C50C-407E-A947-70E740481C1C}">
+                <a14:useLocalDpi xmlns:a14="http://schemas.microsoft.com/office/drawing/2010/main" val="0"/>
+              </a:ext>
+            </a:extLst>
+          </a:blip>
+          <a:srcRect/>
+          <a:stretch>
+            <a:fillRect/>
+          </a:stretch>
+        </p:blipFill>
+        <p:spPr bwMode="auto">
+          <a:xfrm>
+            <a:off x="1791335" y="1982152"/>
+            <a:ext cx="4286250" cy="3048001"/>
+          </a:xfrm>
+          <a:prstGeom prst="rect">
+            <a:avLst/>
+          </a:prstGeom>
+          <a:noFill/>
+          <a:extLst>
+            <a:ext uri="{909E8E84-426E-40DD-AFC4-6F175D3DCCD1}">
+              <a14:hiddenFill xmlns:a14="http://schemas.microsoft.com/office/drawing/2010/main">
+                <a:solidFill>
+                  <a:srgbClr val="FFFFFF"/>
+                </a:solidFill>
+              </a14:hiddenFill>
+            </a:ext>
+          </a:extLst>
+        </p:spPr>
+      </p:pic>
+    </p:spTree>
+    <p:extLst>
+      <p:ext uri="{BB962C8B-B14F-4D97-AF65-F5344CB8AC3E}">
+        <p14:creationId xmlns:p14="http://schemas.microsoft.com/office/powerpoint/2010/main" val="1109386744"/>
+      </p:ext>
+    </p:extLst>
+  </p:cSld>
+  <p:clrMapOvr>
+    <a:masterClrMapping/>
+  </p:clrMapOvr>
+</p:sld>
+</file>
+
+<file path=ppt/slides/slide21.xml><?xml version="1.0" encoding="utf-8"?>
+<p:sld xmlns:a="http://schemas.openxmlformats.org/drawingml/2006/main" xmlns:r="http://schemas.openxmlformats.org/officeDocument/2006/relationships" xmlns:p="http://schemas.openxmlformats.org/presentationml/2006/main">
+  <p:cSld>
+    <p:spTree>
+      <p:nvGrpSpPr>
+        <p:cNvPr id="1" name=""/>
+        <p:cNvGrpSpPr/>
+        <p:nvPr/>
+      </p:nvGrpSpPr>
+      <p:grpSpPr>
+        <a:xfrm>
+          <a:off x="0" y="0"/>
+          <a:ext cx="0" cy="0"/>
+          <a:chOff x="0" y="0"/>
+          <a:chExt cx="0" cy="0"/>
+        </a:xfrm>
+      </p:grpSpPr>
+      <p:sp>
+        <p:nvSpPr>
+          <p:cNvPr id="2" name="제목 1"/>
+          <p:cNvSpPr>
+            <a:spLocks noGrp="1"/>
+          </p:cNvSpPr>
+          <p:nvPr>
+            <p:ph type="title"/>
+          </p:nvPr>
+        </p:nvSpPr>
+        <p:spPr/>
+        <p:txBody>
+          <a:bodyPr/>
+          <a:lstStyle/>
+          <a:p>
+            <a:r>
+              <a:rPr lang="en-US" altLang="ko-KR" dirty="0" smtClean="0"/>
+              <a:t>Image</a:t>
+            </a:r>
+            <a:r>
+              <a:rPr lang="ko-KR" altLang="en-US" dirty="0" smtClean="0"/>
+              <a:t>에 적용 </a:t>
+            </a:r>
+            <a:endParaRPr lang="ko-KR" altLang="en-US" dirty="0"/>
+          </a:p>
+        </p:txBody>
+      </p:sp>
+      <p:sp>
+        <p:nvSpPr>
+          <p:cNvPr id="3" name="내용 개체 틀 2"/>
+          <p:cNvSpPr>
+            <a:spLocks noGrp="1"/>
+          </p:cNvSpPr>
+          <p:nvPr>
+            <p:ph idx="1"/>
+          </p:nvPr>
+        </p:nvSpPr>
+        <p:spPr/>
+        <p:txBody>
+          <a:bodyPr/>
+          <a:lstStyle/>
+          <a:p>
+            <a:endParaRPr lang="ko-KR" altLang="en-US"/>
+          </a:p>
+        </p:txBody>
+      </p:sp>
+      <p:pic>
+        <p:nvPicPr>
+          <p:cNvPr id="5" name="그림 4"/>
+          <p:cNvPicPr>
+            <a:picLocks noChangeAspect="1"/>
+          </p:cNvPicPr>
+          <p:nvPr/>
+        </p:nvPicPr>
+        <p:blipFill>
+          <a:blip r:embed="rId2"/>
+          <a:stretch>
+            <a:fillRect/>
+          </a:stretch>
+        </p:blipFill>
+        <p:spPr>
+          <a:xfrm>
+            <a:off x="628650" y="1856963"/>
+            <a:ext cx="8092394" cy="4320000"/>
+          </a:xfrm>
+          <a:prstGeom prst="rect">
+            <a:avLst/>
+          </a:prstGeom>
+        </p:spPr>
+      </p:pic>
+    </p:spTree>
+    <p:extLst>
+      <p:ext uri="{BB962C8B-B14F-4D97-AF65-F5344CB8AC3E}">
+        <p14:creationId xmlns:p14="http://schemas.microsoft.com/office/powerpoint/2010/main" val="898679038"/>
+      </p:ext>
+    </p:extLst>
+  </p:cSld>
+  <p:clrMapOvr>
+    <a:masterClrMapping/>
+  </p:clrMapOvr>
+</p:sld>
+</file>
+
+<file path=ppt/slides/slide22.xml><?xml version="1.0" encoding="utf-8"?>
+<p:sld xmlns:a="http://schemas.openxmlformats.org/drawingml/2006/main" xmlns:r="http://schemas.openxmlformats.org/officeDocument/2006/relationships" xmlns:p="http://schemas.openxmlformats.org/presentationml/2006/main">
+  <p:cSld>
+    <p:spTree>
+      <p:nvGrpSpPr>
+        <p:cNvPr id="1" name=""/>
+        <p:cNvGrpSpPr/>
+        <p:nvPr/>
+      </p:nvGrpSpPr>
+      <p:grpSpPr>
+        <a:xfrm>
+          <a:off x="0" y="0"/>
+          <a:ext cx="0" cy="0"/>
+          <a:chOff x="0" y="0"/>
+          <a:chExt cx="0" cy="0"/>
+        </a:xfrm>
+      </p:grpSpPr>
+      <p:sp>
+        <p:nvSpPr>
+          <p:cNvPr id="2" name="제목 1"/>
+          <p:cNvSpPr>
+            <a:spLocks noGrp="1"/>
+          </p:cNvSpPr>
+          <p:nvPr>
+            <p:ph type="title"/>
+          </p:nvPr>
+        </p:nvSpPr>
+        <p:spPr/>
+        <p:txBody>
+          <a:bodyPr/>
+          <a:lstStyle/>
+          <a:p>
+            <a:r>
+              <a:rPr lang="ko-KR" altLang="en-US" dirty="0" smtClean="0"/>
+              <a:t>시도</a:t>
+            </a:r>
+            <a:endParaRPr lang="ko-KR" altLang="en-US" dirty="0"/>
+          </a:p>
+        </p:txBody>
+      </p:sp>
+      <p:sp>
+        <p:nvSpPr>
+          <p:cNvPr id="3" name="내용 개체 틀 2"/>
+          <p:cNvSpPr>
+            <a:spLocks noGrp="1"/>
+          </p:cNvSpPr>
+          <p:nvPr>
+            <p:ph idx="1"/>
+          </p:nvPr>
+        </p:nvSpPr>
+        <p:spPr>
+          <a:xfrm>
+            <a:off x="6410035" y="1413164"/>
+            <a:ext cx="2639375" cy="5273963"/>
+          </a:xfrm>
+        </p:spPr>
+        <p:txBody>
+          <a:bodyPr>
+            <a:normAutofit/>
+          </a:bodyPr>
+          <a:lstStyle/>
+          <a:p>
+            <a:r>
+              <a:rPr lang="en-US" altLang="ko-KR" dirty="0" smtClean="0"/>
+              <a:t>Local threshold</a:t>
+            </a:r>
+            <a:r>
+              <a:rPr lang="ko-KR" altLang="en-US" dirty="0" smtClean="0"/>
+              <a:t>를</a:t>
+            </a:r>
+            <a:r>
+              <a:rPr lang="en-US" altLang="ko-KR" dirty="0"/>
+              <a:t> </a:t>
+            </a:r>
+            <a:r>
+              <a:rPr lang="en-US" altLang="ko-KR" dirty="0" err="1" smtClean="0"/>
+              <a:t>otsu</a:t>
+            </a:r>
+            <a:r>
+              <a:rPr lang="ko-KR" altLang="en-US" dirty="0" smtClean="0"/>
+              <a:t>로 계산</a:t>
+            </a:r>
+            <a:endParaRPr lang="en-US" altLang="ko-KR" dirty="0" smtClean="0"/>
+          </a:p>
+          <a:p>
+            <a:r>
+              <a:rPr lang="en-US" altLang="ko-KR" dirty="0" smtClean="0"/>
+              <a:t>Block size </a:t>
+            </a:r>
+            <a:r>
+              <a:rPr lang="en-US" altLang="ko-KR" smtClean="0"/>
+              <a:t>= 51</a:t>
+            </a:r>
+            <a:endParaRPr lang="en-US" altLang="ko-KR" dirty="0" smtClean="0"/>
+          </a:p>
+          <a:p>
+            <a:r>
+              <a:rPr lang="en-US" altLang="ko-KR" dirty="0" smtClean="0"/>
+              <a:t>Padding = 100</a:t>
+            </a:r>
+            <a:endParaRPr lang="ko-KR" altLang="en-US" dirty="0"/>
+          </a:p>
+        </p:txBody>
+      </p:sp>
+      <p:pic>
+        <p:nvPicPr>
+          <p:cNvPr id="6" name="그림 5"/>
+          <p:cNvPicPr>
+            <a:picLocks noChangeAspect="1"/>
+          </p:cNvPicPr>
+          <p:nvPr/>
+        </p:nvPicPr>
+        <p:blipFill>
+          <a:blip r:embed="rId2"/>
+          <a:stretch>
+            <a:fillRect/>
+          </a:stretch>
+        </p:blipFill>
+        <p:spPr>
+          <a:xfrm>
+            <a:off x="543214" y="1514619"/>
+            <a:ext cx="6070856" cy="4470545"/>
+          </a:xfrm>
+          <a:prstGeom prst="rect">
+            <a:avLst/>
+          </a:prstGeom>
+        </p:spPr>
+      </p:pic>
+    </p:spTree>
+    <p:extLst>
+      <p:ext uri="{BB962C8B-B14F-4D97-AF65-F5344CB8AC3E}">
+        <p14:creationId xmlns:p14="http://schemas.microsoft.com/office/powerpoint/2010/main" val="1122214076"/>
+      </p:ext>
+    </p:extLst>
+  </p:cSld>
+  <p:clrMapOvr>
+    <a:masterClrMapping/>
+  </p:clrMapOvr>
+</p:sld>
+</file>
+
+<file path=ppt/slides/slide23.xml><?xml version="1.0" encoding="utf-8"?>
+<p:sld xmlns:a="http://schemas.openxmlformats.org/drawingml/2006/main" xmlns:r="http://schemas.openxmlformats.org/officeDocument/2006/relationships" xmlns:p="http://schemas.openxmlformats.org/presentationml/2006/main">
+  <p:cSld>
+    <p:spTree>
+      <p:nvGrpSpPr>
+        <p:cNvPr id="1" name=""/>
+        <p:cNvGrpSpPr/>
+        <p:nvPr/>
+      </p:nvGrpSpPr>
+      <p:grpSpPr>
+        <a:xfrm>
+          <a:off x="0" y="0"/>
+          <a:ext cx="0" cy="0"/>
+          <a:chOff x="0" y="0"/>
+          <a:chExt cx="0" cy="0"/>
+        </a:xfrm>
+      </p:grpSpPr>
+      <p:sp>
+        <p:nvSpPr>
+          <p:cNvPr id="2" name="제목 1"/>
+          <p:cNvSpPr>
+            <a:spLocks noGrp="1"/>
+          </p:cNvSpPr>
+          <p:nvPr>
+            <p:ph type="title"/>
+          </p:nvPr>
+        </p:nvSpPr>
+        <p:spPr/>
+        <p:txBody>
+          <a:bodyPr/>
+          <a:lstStyle/>
+          <a:p>
+            <a:r>
+              <a:rPr lang="en-US" altLang="ko-KR" dirty="0" err="1" smtClean="0"/>
+              <a:t>hysterysis</a:t>
+            </a:r>
+            <a:endParaRPr lang="ko-KR" altLang="en-US" dirty="0"/>
+          </a:p>
+        </p:txBody>
+      </p:sp>
+      <p:sp>
+        <p:nvSpPr>
+          <p:cNvPr id="3" name="내용 개체 틀 2"/>
+          <p:cNvSpPr>
+            <a:spLocks noGrp="1"/>
+          </p:cNvSpPr>
+          <p:nvPr>
+            <p:ph idx="1"/>
+          </p:nvPr>
+        </p:nvSpPr>
+        <p:spPr>
+          <a:xfrm>
+            <a:off x="628650" y="4632960"/>
+            <a:ext cx="7886700" cy="1544002"/>
+          </a:xfrm>
+        </p:spPr>
+        <p:txBody>
+          <a:bodyPr>
+            <a:normAutofit fontScale="62500" lnSpcReduction="20000"/>
+          </a:bodyPr>
+          <a:lstStyle/>
+          <a:p>
+            <a:r>
+              <a:rPr lang="ko-KR" altLang="en-US" dirty="0" smtClean="0"/>
+              <a:t>주변 상황을 고려</a:t>
+            </a:r>
+            <a:r>
+              <a:rPr lang="en-US" altLang="ko-KR" dirty="0" smtClean="0"/>
+              <a:t>. </a:t>
+            </a:r>
+          </a:p>
+          <a:p>
+            <a:r>
+              <a:rPr lang="en-US" altLang="ko-KR" dirty="0" smtClean="0"/>
+              <a:t>Canny edge </a:t>
+            </a:r>
+            <a:r>
+              <a:rPr lang="en-US" altLang="ko-KR" dirty="0" err="1" smtClean="0"/>
+              <a:t>detectio</a:t>
+            </a:r>
+            <a:r>
+              <a:rPr lang="ko-KR" altLang="en-US" dirty="0" smtClean="0"/>
+              <a:t>과 연관</a:t>
+            </a:r>
+            <a:r>
+              <a:rPr lang="en-US" altLang="ko-KR" dirty="0" smtClean="0"/>
+              <a:t>?</a:t>
+            </a:r>
+          </a:p>
+          <a:p>
+            <a:pPr lvl="1"/>
+            <a:r>
+              <a:rPr lang="en-US" altLang="ko-KR" dirty="0" smtClean="0"/>
+              <a:t>High threshold, low threshold</a:t>
+            </a:r>
+            <a:r>
+              <a:rPr lang="ko-KR" altLang="en-US" dirty="0" smtClean="0"/>
+              <a:t>가 있음</a:t>
+            </a:r>
+            <a:endParaRPr lang="en-US" altLang="ko-KR" dirty="0" smtClean="0"/>
+          </a:p>
+          <a:p>
+            <a:pPr lvl="1"/>
+            <a:r>
+              <a:rPr lang="en-US" altLang="ko-KR" dirty="0" smtClean="0"/>
+              <a:t>High threshold</a:t>
+            </a:r>
+            <a:r>
+              <a:rPr lang="ko-KR" altLang="en-US" dirty="0" smtClean="0"/>
+              <a:t>를 넘으면</a:t>
+            </a:r>
+            <a:r>
+              <a:rPr lang="en-US" altLang="ko-KR" dirty="0"/>
+              <a:t> </a:t>
+            </a:r>
+            <a:r>
+              <a:rPr lang="en-US" altLang="ko-KR" dirty="0" smtClean="0"/>
+              <a:t>edge</a:t>
+            </a:r>
+          </a:p>
+          <a:p>
+            <a:pPr lvl="1"/>
+            <a:r>
+              <a:rPr lang="en-US" altLang="ko-KR" dirty="0" smtClean="0"/>
+              <a:t>Low threshold </a:t>
+            </a:r>
+            <a:r>
+              <a:rPr lang="ko-KR" altLang="en-US" dirty="0" err="1" smtClean="0"/>
+              <a:t>아래면</a:t>
+            </a:r>
+            <a:r>
+              <a:rPr lang="ko-KR" altLang="en-US" dirty="0" smtClean="0"/>
+              <a:t> </a:t>
+            </a:r>
+            <a:r>
+              <a:rPr lang="en-US" altLang="ko-KR" dirty="0" smtClean="0"/>
+              <a:t>edge</a:t>
+            </a:r>
+            <a:r>
+              <a:rPr lang="ko-KR" altLang="en-US" dirty="0" smtClean="0"/>
+              <a:t>가 아님</a:t>
+            </a:r>
+            <a:endParaRPr lang="en-US" altLang="ko-KR" dirty="0" smtClean="0"/>
+          </a:p>
+          <a:p>
+            <a:pPr lvl="1"/>
+            <a:r>
+              <a:rPr lang="ko-KR" altLang="en-US" dirty="0" smtClean="0"/>
+              <a:t>중간에 있을 경우 주변에 </a:t>
+            </a:r>
+            <a:r>
+              <a:rPr lang="en-US" altLang="ko-KR" dirty="0" smtClean="0"/>
+              <a:t>edge</a:t>
+            </a:r>
+            <a:r>
+              <a:rPr lang="ko-KR" altLang="en-US" dirty="0" smtClean="0"/>
+              <a:t>가 있으면 </a:t>
+            </a:r>
+            <a:r>
+              <a:rPr lang="en-US" altLang="ko-KR" dirty="0" smtClean="0"/>
+              <a:t>edge, </a:t>
+            </a:r>
+            <a:r>
+              <a:rPr lang="ko-KR" altLang="en-US" dirty="0" smtClean="0"/>
+              <a:t>아니면 아님</a:t>
+            </a:r>
+            <a:r>
+              <a:rPr lang="en-US" altLang="ko-KR" dirty="0" smtClean="0"/>
+              <a:t>. </a:t>
+            </a:r>
+          </a:p>
+          <a:p>
+            <a:pPr lvl="1"/>
+            <a:endParaRPr lang="ko-KR" altLang="en-US" dirty="0"/>
+          </a:p>
+        </p:txBody>
+      </p:sp>
+      <p:pic>
+        <p:nvPicPr>
+          <p:cNvPr id="7170" name="Picture 2" descr="thresholding hysteresisì ëí ì´ë¯¸ì§ ê²ìê²°ê³¼"/>
+          <p:cNvPicPr>
+            <a:picLocks noChangeAspect="1" noChangeArrowheads="1"/>
+          </p:cNvPicPr>
+          <p:nvPr/>
+        </p:nvPicPr>
+        <p:blipFill>
+          <a:blip r:embed="rId2">
+            <a:extLst>
+              <a:ext uri="{28A0092B-C50C-407E-A947-70E740481C1C}">
+                <a14:useLocalDpi xmlns:a14="http://schemas.microsoft.com/office/drawing/2010/main" val="0"/>
+              </a:ext>
+            </a:extLst>
+          </a:blip>
+          <a:srcRect/>
+          <a:stretch>
+            <a:fillRect/>
+          </a:stretch>
+        </p:blipFill>
+        <p:spPr bwMode="auto">
+          <a:xfrm>
+            <a:off x="1649095" y="1554480"/>
+            <a:ext cx="4581525" cy="2857500"/>
+          </a:xfrm>
+          <a:prstGeom prst="rect">
+            <a:avLst/>
+          </a:prstGeom>
+          <a:noFill/>
+          <a:extLst>
+            <a:ext uri="{909E8E84-426E-40DD-AFC4-6F175D3DCCD1}">
+              <a14:hiddenFill xmlns:a14="http://schemas.microsoft.com/office/drawing/2010/main">
+                <a:solidFill>
+                  <a:srgbClr val="FFFFFF"/>
+                </a:solidFill>
+              </a14:hiddenFill>
+            </a:ext>
+          </a:extLst>
+        </p:spPr>
+      </p:pic>
+    </p:spTree>
+    <p:extLst>
+      <p:ext uri="{BB962C8B-B14F-4D97-AF65-F5344CB8AC3E}">
+        <p14:creationId xmlns:p14="http://schemas.microsoft.com/office/powerpoint/2010/main" val="720503163"/>
+      </p:ext>
+    </p:extLst>
+  </p:cSld>
+  <p:clrMapOvr>
+    <a:masterClrMapping/>
+  </p:clrMapOvr>
+</p:sld>
+</file>
+
+<file path=ppt/slides/slide24.xml><?xml version="1.0" encoding="utf-8"?>
+<p:sld xmlns:a="http://schemas.openxmlformats.org/drawingml/2006/main" xmlns:r="http://schemas.openxmlformats.org/officeDocument/2006/relationships" xmlns:p="http://schemas.openxmlformats.org/presentationml/2006/main">
+  <p:cSld>
+    <p:spTree>
+      <p:nvGrpSpPr>
+        <p:cNvPr id="1" name=""/>
+        <p:cNvGrpSpPr/>
+        <p:nvPr/>
+      </p:nvGrpSpPr>
+      <p:grpSpPr>
+        <a:xfrm>
+          <a:off x="0" y="0"/>
+          <a:ext cx="0" cy="0"/>
+          <a:chOff x="0" y="0"/>
+          <a:chExt cx="0" cy="0"/>
+        </a:xfrm>
+      </p:grpSpPr>
+      <p:sp>
+        <p:nvSpPr>
+          <p:cNvPr id="2" name="제목 1"/>
+          <p:cNvSpPr>
+            <a:spLocks noGrp="1"/>
+          </p:cNvSpPr>
+          <p:nvPr>
+            <p:ph type="title"/>
+          </p:nvPr>
+        </p:nvSpPr>
+        <p:spPr/>
+        <p:txBody>
+          <a:bodyPr/>
+          <a:lstStyle/>
+          <a:p>
+            <a:r>
+              <a:rPr lang="en-US" altLang="ko-KR" dirty="0" smtClean="0"/>
+              <a:t>Image segmentation</a:t>
+            </a:r>
+            <a:endParaRPr lang="ko-KR" altLang="en-US" dirty="0"/>
+          </a:p>
+        </p:txBody>
+      </p:sp>
+      <p:sp>
+        <p:nvSpPr>
+          <p:cNvPr id="3" name="내용 개체 틀 2"/>
+          <p:cNvSpPr>
+            <a:spLocks noGrp="1"/>
+          </p:cNvSpPr>
+          <p:nvPr>
+            <p:ph idx="1"/>
+          </p:nvPr>
+        </p:nvSpPr>
+        <p:spPr/>
+        <p:txBody>
+          <a:bodyPr>
+            <a:normAutofit lnSpcReduction="10000"/>
+          </a:bodyPr>
+          <a:lstStyle/>
+          <a:p>
+            <a:r>
+              <a:rPr lang="en-US" altLang="ko-KR" dirty="0"/>
+              <a:t> process of </a:t>
+            </a:r>
+            <a:r>
+              <a:rPr lang="en-US" altLang="ko-KR" dirty="0" smtClean="0"/>
+              <a:t>partitioning </a:t>
+            </a:r>
+            <a:r>
+              <a:rPr lang="en-US" altLang="ko-KR" dirty="0"/>
+              <a:t>a </a:t>
+            </a:r>
+            <a:r>
+              <a:rPr lang="en-US" altLang="ko-KR" dirty="0">
+                <a:hlinkClick r:id="rId2" tooltip="Digital image"/>
+              </a:rPr>
+              <a:t>digital image</a:t>
+            </a:r>
+            <a:r>
+              <a:rPr lang="en-US" altLang="ko-KR" dirty="0"/>
+              <a:t> into multiple segments </a:t>
+            </a:r>
+            <a:endParaRPr lang="en-US" altLang="ko-KR" dirty="0" smtClean="0"/>
+          </a:p>
+          <a:p>
+            <a:r>
+              <a:rPr lang="en-US" altLang="ko-KR" dirty="0"/>
+              <a:t>to simplify and/or change the representation of an image into something that is more meaningful and easier to </a:t>
+            </a:r>
+            <a:r>
+              <a:rPr lang="en-US" altLang="ko-KR" dirty="0" smtClean="0"/>
+              <a:t>analyze</a:t>
+            </a:r>
+          </a:p>
+          <a:p>
+            <a:r>
+              <a:rPr lang="en-US" altLang="ko-KR" dirty="0"/>
+              <a:t>to locate objects and </a:t>
+            </a:r>
+            <a:r>
+              <a:rPr lang="en-US" altLang="ko-KR" dirty="0">
+                <a:hlinkClick r:id="rId3" tooltip="Boundary tracing"/>
+              </a:rPr>
+              <a:t>boundaries</a:t>
+            </a:r>
+            <a:r>
+              <a:rPr lang="en-US" altLang="ko-KR" dirty="0"/>
+              <a:t> (lines, curves, etc.) in </a:t>
+            </a:r>
+            <a:r>
+              <a:rPr lang="en-US" altLang="ko-KR" dirty="0" smtClean="0"/>
+              <a:t>images</a:t>
+            </a:r>
+          </a:p>
+          <a:p>
+            <a:r>
+              <a:rPr lang="en-US" altLang="ko-KR" dirty="0"/>
+              <a:t> image segmentation is the process of assigning a label to every pixel in an image such that pixels with the same label share certain characteristics</a:t>
+            </a:r>
+            <a:endParaRPr lang="ko-KR" altLang="en-US" dirty="0"/>
+          </a:p>
+        </p:txBody>
+      </p:sp>
+    </p:spTree>
+    <p:extLst>
+      <p:ext uri="{BB962C8B-B14F-4D97-AF65-F5344CB8AC3E}">
+        <p14:creationId xmlns:p14="http://schemas.microsoft.com/office/powerpoint/2010/main" val="873072586"/>
+      </p:ext>
+    </p:extLst>
+  </p:cSld>
+  <p:clrMapOvr>
+    <a:masterClrMapping/>
+  </p:clrMapOvr>
+</p:sld>
+</file>
+
 <file path=ppt/slides/slide3.xml><?xml version="1.0" encoding="utf-8"?>
 <p:sld xmlns:a="http://schemas.openxmlformats.org/drawingml/2006/main" xmlns:r="http://schemas.openxmlformats.org/officeDocument/2006/relationships" xmlns:p="http://schemas.openxmlformats.org/presentationml/2006/main">
   <p:cSld>
@@ -4870,8 +6206,8 @@
         </p:nvSpPr>
         <p:spPr>
           <a:xfrm>
-            <a:off x="628650" y="1560576"/>
-            <a:ext cx="7886700" cy="4616387"/>
+            <a:off x="628650" y="1607127"/>
+            <a:ext cx="7886700" cy="4569836"/>
           </a:xfrm>
         </p:spPr>
         <p:txBody>
@@ -4990,7 +6326,7 @@
             <a:pPr lvl="1"/>
             <a:r>
               <a:rPr lang="en-US" altLang="ko-KR" dirty="0" err="1" smtClean="0"/>
-              <a:t>hysterisys</a:t>
+              <a:t>hysterysis</a:t>
             </a:r>
             <a:endParaRPr lang="en-US" altLang="ko-KR" dirty="0" smtClean="0"/>
           </a:p>
@@ -5070,7 +6406,11 @@
           <a:p>
             <a:r>
               <a:rPr lang="en-US" altLang="ko-KR" dirty="0" smtClean="0"/>
-              <a:t>Cv2.threshold(image, threshold, maximum value, type)</a:t>
+              <a:t>Cv2.threshold(image</a:t>
+            </a:r>
+            <a:r>
+              <a:rPr lang="en-US" altLang="ko-KR" dirty="0" smtClean="0"/>
+              <a:t>, threshold, maximum value, type)</a:t>
             </a:r>
           </a:p>
           <a:p>
@@ -5085,8 +6425,13 @@
             </a:r>
             <a:r>
               <a:rPr lang="en-US" altLang="ko-KR" dirty="0" smtClean="0"/>
-              <a:t>image</a:t>
-            </a:r>
+              <a:t>image (</a:t>
+            </a:r>
+            <a:r>
+              <a:rPr lang="en-US" altLang="ko-KR" dirty="0" smtClean="0"/>
+              <a:t>uint8)</a:t>
+            </a:r>
+            <a:endParaRPr lang="en-US" altLang="ko-KR" dirty="0" smtClean="0"/>
           </a:p>
           <a:p>
             <a:pPr lvl="1"/>
@@ -5298,35 +6643,235 @@
           <a:p>
             <a:r>
               <a:rPr lang="en-US" altLang="ko-KR" dirty="0" smtClean="0"/>
-              <a:t>Adaptive </a:t>
+              <a:t>Simple </a:t>
             </a:r>
             <a:r>
               <a:rPr lang="en-US" altLang="ko-KR" dirty="0" err="1" smtClean="0"/>
               <a:t>thresholding</a:t>
             </a:r>
+            <a:r>
+              <a:rPr lang="en-US" altLang="ko-KR" dirty="0" smtClean="0"/>
+              <a:t> </a:t>
+            </a:r>
             <a:endParaRPr lang="ko-KR" altLang="en-US" dirty="0"/>
           </a:p>
         </p:txBody>
       </p:sp>
-      <p:sp>
-        <p:nvSpPr>
-          <p:cNvPr id="3" name="내용 개체 틀 2"/>
-          <p:cNvSpPr>
-            <a:spLocks noGrp="1"/>
-          </p:cNvSpPr>
+      <p:pic>
+        <p:nvPicPr>
+          <p:cNvPr id="5" name="내용 개체 틀 4"/>
+          <p:cNvPicPr>
+            <a:picLocks noGrp="1" noChangeAspect="1"/>
+          </p:cNvPicPr>
           <p:nvPr>
             <p:ph idx="1"/>
           </p:nvPr>
-        </p:nvSpPr>
+        </p:nvPicPr>
+        <p:blipFill>
+          <a:blip r:embed="rId2"/>
+          <a:stretch>
+            <a:fillRect/>
+          </a:stretch>
+        </p:blipFill>
         <p:spPr>
           <a:xfrm>
-            <a:off x="628650" y="4836161"/>
-            <a:ext cx="7886700" cy="1340802"/>
+            <a:off x="628650" y="1828585"/>
+            <a:ext cx="7886700" cy="4345417"/>
+          </a:xfrm>
+          <a:prstGeom prst="rect">
+            <a:avLst/>
+          </a:prstGeom>
+        </p:spPr>
+      </p:pic>
+    </p:spTree>
+    <p:extLst>
+      <p:ext uri="{BB962C8B-B14F-4D97-AF65-F5344CB8AC3E}">
+        <p14:creationId xmlns:p14="http://schemas.microsoft.com/office/powerpoint/2010/main" val="999002605"/>
+      </p:ext>
+    </p:extLst>
+  </p:cSld>
+  <p:clrMapOvr>
+    <a:masterClrMapping/>
+  </p:clrMapOvr>
+</p:sld>
+</file>
+
+<file path=ppt/slides/slide7.xml><?xml version="1.0" encoding="utf-8"?>
+<p:sld xmlns:a="http://schemas.openxmlformats.org/drawingml/2006/main" xmlns:r="http://schemas.openxmlformats.org/officeDocument/2006/relationships" xmlns:p="http://schemas.openxmlformats.org/presentationml/2006/main">
+  <p:cSld>
+    <p:spTree>
+      <p:nvGrpSpPr>
+        <p:cNvPr id="1" name=""/>
+        <p:cNvGrpSpPr/>
+        <p:nvPr/>
+      </p:nvGrpSpPr>
+      <p:grpSpPr>
+        <a:xfrm>
+          <a:off x="0" y="0"/>
+          <a:ext cx="0" cy="0"/>
+          <a:chOff x="0" y="0"/>
+          <a:chExt cx="0" cy="0"/>
+        </a:xfrm>
+      </p:grpSpPr>
+      <p:sp>
+        <p:nvSpPr>
+          <p:cNvPr id="2" name="제목 1"/>
+          <p:cNvSpPr>
+            <a:spLocks noGrp="1"/>
+          </p:cNvSpPr>
+          <p:nvPr>
+            <p:ph type="title"/>
+          </p:nvPr>
+        </p:nvSpPr>
+        <p:spPr/>
+        <p:txBody>
+          <a:bodyPr/>
+          <a:lstStyle/>
+          <a:p>
+            <a:r>
+              <a:rPr lang="ko-KR" altLang="en-US" dirty="0" smtClean="0"/>
+              <a:t>결과</a:t>
+            </a:r>
+            <a:endParaRPr lang="ko-KR" altLang="en-US" dirty="0"/>
+          </a:p>
+        </p:txBody>
+      </p:sp>
+      <p:sp>
+        <p:nvSpPr>
+          <p:cNvPr id="3" name="내용 개체 틀 2"/>
+          <p:cNvSpPr>
+            <a:spLocks noGrp="1"/>
+          </p:cNvSpPr>
+          <p:nvPr>
+            <p:ph idx="1"/>
+          </p:nvPr>
+        </p:nvSpPr>
+        <p:spPr/>
+        <p:txBody>
+          <a:bodyPr/>
+          <a:lstStyle/>
+          <a:p>
+            <a:endParaRPr lang="ko-KR" altLang="en-US"/>
+          </a:p>
+        </p:txBody>
+      </p:sp>
+      <p:pic>
+        <p:nvPicPr>
+          <p:cNvPr id="2050" name="Picture 2" descr="Simple Thresholding"/>
+          <p:cNvPicPr>
+            <a:picLocks noChangeAspect="1" noChangeArrowheads="1"/>
+          </p:cNvPicPr>
+          <p:nvPr/>
+        </p:nvPicPr>
+        <p:blipFill>
+          <a:blip r:embed="rId2">
+            <a:extLst>
+              <a:ext uri="{28A0092B-C50C-407E-A947-70E740481C1C}">
+                <a14:useLocalDpi xmlns:a14="http://schemas.microsoft.com/office/drawing/2010/main" val="0"/>
+              </a:ext>
+            </a:extLst>
+          </a:blip>
+          <a:srcRect/>
+          <a:stretch>
+            <a:fillRect/>
+          </a:stretch>
+        </p:blipFill>
+        <p:spPr bwMode="auto">
+          <a:xfrm>
+            <a:off x="1624156" y="1825625"/>
+            <a:ext cx="5303219" cy="3771179"/>
+          </a:xfrm>
+          <a:prstGeom prst="rect">
+            <a:avLst/>
+          </a:prstGeom>
+          <a:noFill/>
+          <a:extLst>
+            <a:ext uri="{909E8E84-426E-40DD-AFC4-6F175D3DCCD1}">
+              <a14:hiddenFill xmlns:a14="http://schemas.microsoft.com/office/drawing/2010/main">
+                <a:solidFill>
+                  <a:srgbClr val="FFFFFF"/>
+                </a:solidFill>
+              </a14:hiddenFill>
+            </a:ext>
+          </a:extLst>
+        </p:spPr>
+      </p:pic>
+    </p:spTree>
+    <p:extLst>
+      <p:ext uri="{BB962C8B-B14F-4D97-AF65-F5344CB8AC3E}">
+        <p14:creationId xmlns:p14="http://schemas.microsoft.com/office/powerpoint/2010/main" val="1097313367"/>
+      </p:ext>
+    </p:extLst>
+  </p:cSld>
+  <p:clrMapOvr>
+    <a:masterClrMapping/>
+  </p:clrMapOvr>
+</p:sld>
+</file>
+
+<file path=ppt/slides/slide8.xml><?xml version="1.0" encoding="utf-8"?>
+<p:sld xmlns:a="http://schemas.openxmlformats.org/drawingml/2006/main" xmlns:r="http://schemas.openxmlformats.org/officeDocument/2006/relationships" xmlns:p="http://schemas.openxmlformats.org/presentationml/2006/main">
+  <p:cSld>
+    <p:spTree>
+      <p:nvGrpSpPr>
+        <p:cNvPr id="1" name=""/>
+        <p:cNvGrpSpPr/>
+        <p:nvPr/>
+      </p:nvGrpSpPr>
+      <p:grpSpPr>
+        <a:xfrm>
+          <a:off x="0" y="0"/>
+          <a:ext cx="0" cy="0"/>
+          <a:chOff x="0" y="0"/>
+          <a:chExt cx="0" cy="0"/>
+        </a:xfrm>
+      </p:grpSpPr>
+      <p:sp>
+        <p:nvSpPr>
+          <p:cNvPr id="2" name="제목 1"/>
+          <p:cNvSpPr>
+            <a:spLocks noGrp="1"/>
+          </p:cNvSpPr>
+          <p:nvPr>
+            <p:ph type="title"/>
+          </p:nvPr>
+        </p:nvSpPr>
+        <p:spPr/>
+        <p:txBody>
+          <a:bodyPr/>
+          <a:lstStyle/>
+          <a:p>
+            <a:r>
+              <a:rPr lang="en-US" altLang="ko-KR" dirty="0" smtClean="0"/>
+              <a:t>Adaptive </a:t>
+            </a:r>
+            <a:r>
+              <a:rPr lang="en-US" altLang="ko-KR" dirty="0" err="1" smtClean="0"/>
+              <a:t>thresholding</a:t>
+            </a:r>
+            <a:endParaRPr lang="ko-KR" altLang="en-US" dirty="0"/>
+          </a:p>
+        </p:txBody>
+      </p:sp>
+      <p:sp>
+        <p:nvSpPr>
+          <p:cNvPr id="3" name="내용 개체 틀 2"/>
+          <p:cNvSpPr>
+            <a:spLocks noGrp="1"/>
+          </p:cNvSpPr>
+          <p:nvPr>
+            <p:ph idx="1"/>
+          </p:nvPr>
+        </p:nvSpPr>
+        <p:spPr>
+          <a:xfrm>
+            <a:off x="628650" y="4673600"/>
+            <a:ext cx="7886700" cy="1503363"/>
           </a:xfrm>
         </p:spPr>
         <p:txBody>
           <a:bodyPr>
-            <a:normAutofit lnSpcReduction="10000"/>
+            <a:normAutofit/>
           </a:bodyPr>
           <a:lstStyle/>
           <a:p>
@@ -5352,15 +6897,23 @@
             <a:pPr lvl="1"/>
             <a:r>
               <a:rPr lang="en-US" altLang="ko-KR" dirty="0" smtClean="0"/>
-              <a:t>Threshold : kernel</a:t>
+              <a:t>Threshold </a:t>
+            </a:r>
+            <a:r>
+              <a:rPr lang="en-US" altLang="ko-KR" dirty="0" smtClean="0"/>
+              <a:t>: block</a:t>
             </a:r>
             <a:r>
               <a:rPr lang="ko-KR" altLang="en-US" dirty="0" smtClean="0"/>
-              <a:t>의 </a:t>
-            </a:r>
-            <a:r>
-              <a:rPr lang="en-US" altLang="ko-KR" dirty="0" smtClean="0"/>
-              <a:t>mean or weighted mean – C</a:t>
+              <a:t>의 평균 </a:t>
+            </a:r>
+            <a:r>
+              <a:rPr lang="en-US" altLang="ko-KR" dirty="0" smtClean="0"/>
+              <a:t>or weighted mean – </a:t>
+            </a:r>
+            <a:r>
+              <a:rPr lang="en-US" altLang="ko-KR" dirty="0" smtClean="0"/>
+              <a:t>C</a:t>
             </a:r>
           </a:p>
           <a:p>
@@ -5749,533 +7302,6 @@
 </p:sld>
 </file>
 
-<file path=ppt/slides/slide7.xml><?xml version="1.0" encoding="utf-8"?>
-<p:sld xmlns:a="http://schemas.openxmlformats.org/drawingml/2006/main" xmlns:r="http://schemas.openxmlformats.org/officeDocument/2006/relationships" xmlns:p="http://schemas.openxmlformats.org/presentationml/2006/main">
-  <p:cSld>
-    <p:spTree>
-      <p:nvGrpSpPr>
-        <p:cNvPr id="1" name=""/>
-        <p:cNvGrpSpPr/>
-        <p:nvPr/>
-      </p:nvGrpSpPr>
-      <p:grpSpPr>
-        <a:xfrm>
-          <a:off x="0" y="0"/>
-          <a:ext cx="0" cy="0"/>
-          <a:chOff x="0" y="0"/>
-          <a:chExt cx="0" cy="0"/>
-        </a:xfrm>
-      </p:grpSpPr>
-      <p:sp>
-        <p:nvSpPr>
-          <p:cNvPr id="2" name="제목 1"/>
-          <p:cNvSpPr>
-            <a:spLocks noGrp="1"/>
-          </p:cNvSpPr>
-          <p:nvPr>
-            <p:ph type="title"/>
-          </p:nvPr>
-        </p:nvSpPr>
-        <p:spPr/>
-        <p:txBody>
-          <a:bodyPr/>
-          <a:lstStyle/>
-          <a:p>
-            <a:r>
-              <a:rPr lang="en-US" altLang="ko-KR" dirty="0" smtClean="0"/>
-              <a:t>Image</a:t>
-            </a:r>
-            <a:r>
-              <a:rPr lang="ko-KR" altLang="en-US" dirty="0" smtClean="0"/>
-              <a:t>에 적용 </a:t>
-            </a:r>
-            <a:r>
-              <a:rPr lang="en-US" altLang="ko-KR" dirty="0" smtClean="0"/>
-              <a:t>/ block size</a:t>
-            </a:r>
-            <a:endParaRPr lang="ko-KR" altLang="en-US" dirty="0"/>
-          </a:p>
-        </p:txBody>
-      </p:sp>
-      <p:grpSp>
-        <p:nvGrpSpPr>
-          <p:cNvPr id="16" name="그룹 15"/>
-          <p:cNvGrpSpPr/>
-          <p:nvPr/>
-        </p:nvGrpSpPr>
-        <p:grpSpPr>
-          <a:xfrm>
-            <a:off x="163715" y="1563572"/>
-            <a:ext cx="8150661" cy="4836067"/>
-            <a:chOff x="92595" y="1268932"/>
-            <a:chExt cx="8150661" cy="4836067"/>
-          </a:xfrm>
-        </p:grpSpPr>
-        <p:pic>
-          <p:nvPicPr>
-            <p:cNvPr id="4" name="그림 3"/>
-            <p:cNvPicPr>
-              <a:picLocks noChangeAspect="1"/>
-            </p:cNvPicPr>
-            <p:nvPr/>
-          </p:nvPicPr>
-          <p:blipFill>
-            <a:blip r:embed="rId2"/>
-            <a:stretch>
-              <a:fillRect/>
-            </a:stretch>
-          </p:blipFill>
-          <p:spPr>
-            <a:xfrm>
-              <a:off x="92595" y="1636279"/>
-              <a:ext cx="2091149" cy="1678422"/>
-            </a:xfrm>
-            <a:prstGeom prst="rect">
-              <a:avLst/>
-            </a:prstGeom>
-          </p:spPr>
-        </p:pic>
-        <p:pic>
-          <p:nvPicPr>
-            <p:cNvPr id="5" name="그림 4"/>
-            <p:cNvPicPr>
-              <a:picLocks noChangeAspect="1"/>
-            </p:cNvPicPr>
-            <p:nvPr/>
-          </p:nvPicPr>
-          <p:blipFill>
-            <a:blip r:embed="rId3"/>
-            <a:stretch>
-              <a:fillRect/>
-            </a:stretch>
-          </p:blipFill>
-          <p:spPr>
-            <a:xfrm>
-              <a:off x="2566206" y="1514777"/>
-              <a:ext cx="2880000" cy="4572734"/>
-            </a:xfrm>
-            <a:prstGeom prst="rect">
-              <a:avLst/>
-            </a:prstGeom>
-          </p:spPr>
-        </p:pic>
-        <p:sp>
-          <p:nvSpPr>
-            <p:cNvPr id="6" name="TextBox 5"/>
-            <p:cNvSpPr txBox="1"/>
-            <p:nvPr/>
-          </p:nvSpPr>
-          <p:spPr>
-            <a:xfrm>
-              <a:off x="150948" y="1388825"/>
-              <a:ext cx="1729961" cy="369332"/>
-            </a:xfrm>
-            <a:prstGeom prst="rect">
-              <a:avLst/>
-            </a:prstGeom>
-            <a:noFill/>
-          </p:spPr>
-          <p:txBody>
-            <a:bodyPr wrap="none" rtlCol="0">
-              <a:spAutoFit/>
-            </a:bodyPr>
-            <a:lstStyle/>
-            <a:p>
-              <a:r>
-                <a:rPr lang="en-US" altLang="ko-KR" dirty="0" smtClean="0"/>
-                <a:t>Original image</a:t>
-              </a:r>
-              <a:endParaRPr lang="ko-KR" altLang="en-US" dirty="0"/>
-            </a:p>
-          </p:txBody>
-        </p:sp>
-        <p:sp>
-          <p:nvSpPr>
-            <p:cNvPr id="7" name="TextBox 6"/>
-            <p:cNvSpPr txBox="1"/>
-            <p:nvPr/>
-          </p:nvSpPr>
-          <p:spPr>
-            <a:xfrm>
-              <a:off x="1639556" y="3192823"/>
-              <a:ext cx="1088375" cy="369332"/>
-            </a:xfrm>
-            <a:prstGeom prst="rect">
-              <a:avLst/>
-            </a:prstGeom>
-            <a:noFill/>
-          </p:spPr>
-          <p:txBody>
-            <a:bodyPr wrap="none" rtlCol="0">
-              <a:spAutoFit/>
-            </a:bodyPr>
-            <a:lstStyle/>
-            <a:p>
-              <a:r>
-                <a:rPr lang="en-US" altLang="ko-KR" dirty="0" smtClean="0"/>
-                <a:t>MEAN_C</a:t>
-              </a:r>
-              <a:endParaRPr lang="ko-KR" altLang="en-US" dirty="0"/>
-            </a:p>
-          </p:txBody>
-        </p:sp>
-        <p:sp>
-          <p:nvSpPr>
-            <p:cNvPr id="9" name="TextBox 8"/>
-            <p:cNvSpPr txBox="1"/>
-            <p:nvPr/>
-          </p:nvSpPr>
-          <p:spPr>
-            <a:xfrm>
-              <a:off x="1109736" y="4676241"/>
-              <a:ext cx="1542345" cy="369332"/>
-            </a:xfrm>
-            <a:prstGeom prst="rect">
-              <a:avLst/>
-            </a:prstGeom>
-            <a:noFill/>
-          </p:spPr>
-          <p:txBody>
-            <a:bodyPr wrap="none" rtlCol="0">
-              <a:spAutoFit/>
-            </a:bodyPr>
-            <a:lstStyle/>
-            <a:p>
-              <a:r>
-                <a:rPr lang="en-US" altLang="ko-KR" dirty="0" smtClean="0"/>
-                <a:t>GAUSSIAN_C</a:t>
-              </a:r>
-              <a:endParaRPr lang="ko-KR" altLang="en-US" dirty="0"/>
-            </a:p>
-          </p:txBody>
-        </p:sp>
-        <p:pic>
-          <p:nvPicPr>
-            <p:cNvPr id="10" name="그림 9"/>
-            <p:cNvPicPr>
-              <a:picLocks noChangeAspect="1"/>
-            </p:cNvPicPr>
-            <p:nvPr/>
-          </p:nvPicPr>
-          <p:blipFill>
-            <a:blip r:embed="rId4"/>
-            <a:stretch>
-              <a:fillRect/>
-            </a:stretch>
-          </p:blipFill>
-          <p:spPr>
-            <a:xfrm>
-              <a:off x="5363256" y="1573491"/>
-              <a:ext cx="2880000" cy="4531508"/>
-            </a:xfrm>
-            <a:prstGeom prst="rect">
-              <a:avLst/>
-            </a:prstGeom>
-          </p:spPr>
-        </p:pic>
-        <p:sp>
-          <p:nvSpPr>
-            <p:cNvPr id="14" name="TextBox 13"/>
-            <p:cNvSpPr txBox="1"/>
-            <p:nvPr/>
-          </p:nvSpPr>
-          <p:spPr>
-            <a:xfrm>
-              <a:off x="3306699" y="1268932"/>
-              <a:ext cx="1784463" cy="369332"/>
-            </a:xfrm>
-            <a:prstGeom prst="rect">
-              <a:avLst/>
-            </a:prstGeom>
-            <a:noFill/>
-          </p:spPr>
-          <p:txBody>
-            <a:bodyPr wrap="none" rtlCol="0">
-              <a:spAutoFit/>
-            </a:bodyPr>
-            <a:lstStyle/>
-            <a:p>
-              <a:r>
-                <a:rPr lang="en-US" altLang="ko-KR" b="1" dirty="0" smtClean="0"/>
-                <a:t>Block Size : 41</a:t>
-              </a:r>
-              <a:endParaRPr lang="ko-KR" altLang="en-US" b="1" dirty="0"/>
-            </a:p>
-          </p:txBody>
-        </p:sp>
-        <p:sp>
-          <p:nvSpPr>
-            <p:cNvPr id="15" name="TextBox 14"/>
-            <p:cNvSpPr txBox="1"/>
-            <p:nvPr/>
-          </p:nvSpPr>
-          <p:spPr>
-            <a:xfrm>
-              <a:off x="5984748" y="1268932"/>
-              <a:ext cx="1784463" cy="369332"/>
-            </a:xfrm>
-            <a:prstGeom prst="rect">
-              <a:avLst/>
-            </a:prstGeom>
-            <a:noFill/>
-          </p:spPr>
-          <p:txBody>
-            <a:bodyPr wrap="none" rtlCol="0">
-              <a:spAutoFit/>
-            </a:bodyPr>
-            <a:lstStyle/>
-            <a:p>
-              <a:r>
-                <a:rPr lang="en-US" altLang="ko-KR" b="1" dirty="0" smtClean="0"/>
-                <a:t>Block Size : 31</a:t>
-              </a:r>
-              <a:endParaRPr lang="ko-KR" altLang="en-US" b="1" dirty="0"/>
-            </a:p>
-          </p:txBody>
-        </p:sp>
-      </p:grpSp>
-    </p:spTree>
-    <p:extLst>
-      <p:ext uri="{BB962C8B-B14F-4D97-AF65-F5344CB8AC3E}">
-        <p14:creationId xmlns:p14="http://schemas.microsoft.com/office/powerpoint/2010/main" val="2235733307"/>
-      </p:ext>
-    </p:extLst>
-  </p:cSld>
-  <p:clrMapOvr>
-    <a:masterClrMapping/>
-  </p:clrMapOvr>
-</p:sld>
-</file>
-
-<file path=ppt/slides/slide8.xml><?xml version="1.0" encoding="utf-8"?>
-<p:sld xmlns:a="http://schemas.openxmlformats.org/drawingml/2006/main" xmlns:r="http://schemas.openxmlformats.org/officeDocument/2006/relationships" xmlns:p="http://schemas.openxmlformats.org/presentationml/2006/main">
-  <p:cSld>
-    <p:spTree>
-      <p:nvGrpSpPr>
-        <p:cNvPr id="1" name=""/>
-        <p:cNvGrpSpPr/>
-        <p:nvPr/>
-      </p:nvGrpSpPr>
-      <p:grpSpPr>
-        <a:xfrm>
-          <a:off x="0" y="0"/>
-          <a:ext cx="0" cy="0"/>
-          <a:chOff x="0" y="0"/>
-          <a:chExt cx="0" cy="0"/>
-        </a:xfrm>
-      </p:grpSpPr>
-      <p:sp>
-        <p:nvSpPr>
-          <p:cNvPr id="2" name="제목 1"/>
-          <p:cNvSpPr>
-            <a:spLocks noGrp="1"/>
-          </p:cNvSpPr>
-          <p:nvPr>
-            <p:ph type="title"/>
-          </p:nvPr>
-        </p:nvSpPr>
-        <p:spPr/>
-        <p:txBody>
-          <a:bodyPr/>
-          <a:lstStyle/>
-          <a:p>
-            <a:r>
-              <a:rPr lang="en-US" altLang="ko-KR" dirty="0" smtClean="0"/>
-              <a:t>Image</a:t>
-            </a:r>
-            <a:r>
-              <a:rPr lang="ko-KR" altLang="en-US" dirty="0" smtClean="0"/>
-              <a:t>에 적용 </a:t>
-            </a:r>
-            <a:r>
-              <a:rPr lang="en-US" altLang="ko-KR" dirty="0" smtClean="0"/>
-              <a:t>/ C</a:t>
-            </a:r>
-            <a:endParaRPr lang="ko-KR" altLang="en-US" dirty="0"/>
-          </a:p>
-        </p:txBody>
-      </p:sp>
-      <p:pic>
-        <p:nvPicPr>
-          <p:cNvPr id="4" name="그림 3"/>
-          <p:cNvPicPr>
-            <a:picLocks noChangeAspect="1"/>
-          </p:cNvPicPr>
-          <p:nvPr/>
-        </p:nvPicPr>
-        <p:blipFill>
-          <a:blip r:embed="rId2"/>
-          <a:stretch>
-            <a:fillRect/>
-          </a:stretch>
-        </p:blipFill>
-        <p:spPr>
-          <a:xfrm>
-            <a:off x="5069840" y="1864089"/>
-            <a:ext cx="2880000" cy="4447810"/>
-          </a:xfrm>
-          <a:prstGeom prst="rect">
-            <a:avLst/>
-          </a:prstGeom>
-        </p:spPr>
-      </p:pic>
-      <p:pic>
-        <p:nvPicPr>
-          <p:cNvPr id="5" name="그림 4"/>
-          <p:cNvPicPr>
-            <a:picLocks noChangeAspect="1"/>
-          </p:cNvPicPr>
-          <p:nvPr/>
-        </p:nvPicPr>
-        <p:blipFill>
-          <a:blip r:embed="rId3"/>
-          <a:stretch>
-            <a:fillRect/>
-          </a:stretch>
-        </p:blipFill>
-        <p:spPr>
-          <a:xfrm>
-            <a:off x="1919016" y="1825625"/>
-            <a:ext cx="2880000" cy="4531508"/>
-          </a:xfrm>
-          <a:prstGeom prst="rect">
-            <a:avLst/>
-          </a:prstGeom>
-        </p:spPr>
-      </p:pic>
-      <p:sp>
-        <p:nvSpPr>
-          <p:cNvPr id="6" name="TextBox 5"/>
-          <p:cNvSpPr txBox="1"/>
-          <p:nvPr/>
-        </p:nvSpPr>
-        <p:spPr>
-          <a:xfrm>
-            <a:off x="3048000" y="1573491"/>
-            <a:ext cx="864339" cy="369332"/>
-          </a:xfrm>
-          <a:prstGeom prst="rect">
-            <a:avLst/>
-          </a:prstGeom>
-          <a:noFill/>
-        </p:spPr>
-        <p:txBody>
-          <a:bodyPr wrap="none" rtlCol="0">
-            <a:spAutoFit/>
-          </a:bodyPr>
-          <a:lstStyle/>
-          <a:p>
-            <a:r>
-              <a:rPr lang="en-US" altLang="ko-KR" dirty="0" smtClean="0"/>
-              <a:t>C = 2 </a:t>
-            </a:r>
-            <a:endParaRPr lang="ko-KR" altLang="en-US" dirty="0"/>
-          </a:p>
-        </p:txBody>
-      </p:sp>
-      <p:sp>
-        <p:nvSpPr>
-          <p:cNvPr id="7" name="TextBox 6"/>
-          <p:cNvSpPr txBox="1"/>
-          <p:nvPr/>
-        </p:nvSpPr>
-        <p:spPr>
-          <a:xfrm>
-            <a:off x="6106160" y="1573491"/>
-            <a:ext cx="909223" cy="369332"/>
-          </a:xfrm>
-          <a:prstGeom prst="rect">
-            <a:avLst/>
-          </a:prstGeom>
-          <a:noFill/>
-        </p:spPr>
-        <p:txBody>
-          <a:bodyPr wrap="none" rtlCol="0">
-            <a:spAutoFit/>
-          </a:bodyPr>
-          <a:lstStyle/>
-          <a:p>
-            <a:r>
-              <a:rPr lang="en-US" altLang="ko-KR" dirty="0" smtClean="0"/>
-              <a:t>C = 10</a:t>
-            </a:r>
-            <a:endParaRPr lang="ko-KR" altLang="en-US" dirty="0"/>
-          </a:p>
-        </p:txBody>
-      </p:sp>
-      <p:sp>
-        <p:nvSpPr>
-          <p:cNvPr id="8" name="TextBox 7"/>
-          <p:cNvSpPr txBox="1"/>
-          <p:nvPr/>
-        </p:nvSpPr>
-        <p:spPr>
-          <a:xfrm>
-            <a:off x="468244" y="2867703"/>
-            <a:ext cx="1088375" cy="369332"/>
-          </a:xfrm>
-          <a:prstGeom prst="rect">
-            <a:avLst/>
-          </a:prstGeom>
-          <a:noFill/>
-        </p:spPr>
-        <p:txBody>
-          <a:bodyPr wrap="none" rtlCol="0">
-            <a:spAutoFit/>
-          </a:bodyPr>
-          <a:lstStyle/>
-          <a:p>
-            <a:r>
-              <a:rPr lang="en-US" altLang="ko-KR" dirty="0" smtClean="0"/>
-              <a:t>MEAN_C</a:t>
-            </a:r>
-            <a:endParaRPr lang="ko-KR" altLang="en-US" dirty="0"/>
-          </a:p>
-        </p:txBody>
-      </p:sp>
-      <p:sp>
-        <p:nvSpPr>
-          <p:cNvPr id="9" name="TextBox 8"/>
-          <p:cNvSpPr txBox="1"/>
-          <p:nvPr/>
-        </p:nvSpPr>
-        <p:spPr>
-          <a:xfrm>
-            <a:off x="468244" y="4351121"/>
-            <a:ext cx="1542345" cy="369332"/>
-          </a:xfrm>
-          <a:prstGeom prst="rect">
-            <a:avLst/>
-          </a:prstGeom>
-          <a:noFill/>
-        </p:spPr>
-        <p:txBody>
-          <a:bodyPr wrap="none" rtlCol="0">
-            <a:spAutoFit/>
-          </a:bodyPr>
-          <a:lstStyle/>
-          <a:p>
-            <a:r>
-              <a:rPr lang="en-US" altLang="ko-KR" dirty="0" smtClean="0"/>
-              <a:t>GAUSSIAN_C</a:t>
-            </a:r>
-            <a:endParaRPr lang="ko-KR" altLang="en-US" dirty="0"/>
-          </a:p>
-        </p:txBody>
-      </p:sp>
-    </p:spTree>
-    <p:extLst>
-      <p:ext uri="{BB962C8B-B14F-4D97-AF65-F5344CB8AC3E}">
-        <p14:creationId xmlns:p14="http://schemas.microsoft.com/office/powerpoint/2010/main" val="818649132"/>
-      </p:ext>
-    </p:extLst>
-  </p:cSld>
-  <p:clrMapOvr>
-    <a:masterClrMapping/>
-  </p:clrMapOvr>
-</p:sld>
-</file>
-
 <file path=ppt/slides/slide9.xml><?xml version="1.0" encoding="utf-8"?>
 <p:sld xmlns:a="http://schemas.openxmlformats.org/drawingml/2006/main" xmlns:r="http://schemas.openxmlformats.org/officeDocument/2006/relationships" xmlns:p="http://schemas.openxmlformats.org/presentationml/2006/main">
   <p:cSld>
@@ -6309,12 +7335,8 @@
           <a:lstStyle/>
           <a:p>
             <a:r>
-              <a:rPr lang="en-US" altLang="ko-KR" dirty="0" smtClean="0"/>
-              <a:t>Image</a:t>
-            </a:r>
-            <a:r>
               <a:rPr lang="ko-KR" altLang="en-US" dirty="0" smtClean="0"/>
-              <a:t>에 적용 </a:t>
+              <a:t>함수</a:t>
             </a:r>
             <a:endParaRPr lang="ko-KR" altLang="en-US" dirty="0"/>
           </a:p>
@@ -6330,63 +7352,163 @@
             <p:ph idx="1"/>
           </p:nvPr>
         </p:nvSpPr>
-        <p:spPr>
-          <a:xfrm>
-            <a:off x="5327104" y="1690689"/>
-            <a:ext cx="3188246" cy="4486274"/>
-          </a:xfrm>
-        </p:spPr>
-        <p:txBody>
-          <a:bodyPr/>
-          <a:lstStyle/>
-          <a:p>
-            <a:r>
-              <a:rPr lang="ko-KR" altLang="en-US" dirty="0" smtClean="0"/>
-              <a:t>항상 </a:t>
-            </a:r>
-            <a:r>
-              <a:rPr lang="ko-KR" altLang="en-US" dirty="0" err="1" smtClean="0"/>
-              <a:t>잘되는건</a:t>
-            </a:r>
-            <a:r>
-              <a:rPr lang="ko-KR" altLang="en-US" dirty="0" smtClean="0"/>
-              <a:t> 아님</a:t>
-            </a:r>
-            <a:r>
-              <a:rPr lang="en-US" altLang="ko-KR" dirty="0" smtClean="0"/>
-              <a:t>.. </a:t>
-            </a:r>
-          </a:p>
-        </p:txBody>
-      </p:sp>
-      <p:pic>
-        <p:nvPicPr>
-          <p:cNvPr id="4" name="그림 3"/>
-          <p:cNvPicPr>
-            <a:picLocks noChangeAspect="1"/>
-          </p:cNvPicPr>
-          <p:nvPr/>
-        </p:nvPicPr>
-        <p:blipFill>
-          <a:blip r:embed="rId2"/>
-          <a:stretch>
-            <a:fillRect/>
-          </a:stretch>
-        </p:blipFill>
-        <p:spPr>
-          <a:xfrm>
-            <a:off x="745579" y="1590040"/>
-            <a:ext cx="4464596" cy="5267960"/>
-          </a:xfrm>
-          <a:prstGeom prst="rect">
-            <a:avLst/>
-          </a:prstGeom>
-        </p:spPr>
-      </p:pic>
+        <p:spPr/>
+        <p:txBody>
+          <a:bodyPr>
+            <a:normAutofit/>
+          </a:bodyPr>
+          <a:lstStyle/>
+          <a:p>
+            <a:r>
+              <a:rPr lang="en-US" altLang="ko-KR" sz="1500" dirty="0" smtClean="0"/>
+              <a:t>Cv2.AdaptiveThreshold(</a:t>
+            </a:r>
+            <a:r>
+              <a:rPr lang="en-US" altLang="ko-KR" sz="1500" dirty="0" err="1" smtClean="0"/>
+              <a:t>src</a:t>
+            </a:r>
+            <a:r>
+              <a:rPr lang="en-US" altLang="ko-KR" sz="1500" dirty="0" smtClean="0"/>
+              <a:t>, </a:t>
+            </a:r>
+            <a:r>
+              <a:rPr lang="en-US" altLang="ko-KR" sz="1500" dirty="0" err="1" smtClean="0"/>
+              <a:t>maxValue</a:t>
+            </a:r>
+            <a:r>
+              <a:rPr lang="en-US" altLang="ko-KR" sz="1500" dirty="0" smtClean="0"/>
+              <a:t>, </a:t>
+            </a:r>
+            <a:r>
+              <a:rPr lang="en-US" altLang="ko-KR" sz="1500" dirty="0" err="1" smtClean="0"/>
+              <a:t>adaptive_method</a:t>
+            </a:r>
+            <a:r>
+              <a:rPr lang="en-US" altLang="ko-KR" sz="1500" dirty="0" smtClean="0"/>
+              <a:t>, </a:t>
+            </a:r>
+            <a:r>
+              <a:rPr lang="en-US" altLang="ko-KR" sz="1500" dirty="0" err="1" smtClean="0"/>
+              <a:t>thresholdType</a:t>
+            </a:r>
+            <a:r>
+              <a:rPr lang="en-US" altLang="ko-KR" sz="1500" dirty="0" smtClean="0"/>
+              <a:t>, </a:t>
+            </a:r>
+            <a:r>
+              <a:rPr lang="en-US" altLang="ko-KR" sz="1500" dirty="0" err="1" smtClean="0"/>
+              <a:t>blockSize</a:t>
+            </a:r>
+            <a:r>
+              <a:rPr lang="en-US" altLang="ko-KR" sz="1500" dirty="0" smtClean="0"/>
+              <a:t> = 3, c[, </a:t>
+            </a:r>
+            <a:r>
+              <a:rPr lang="en-US" altLang="ko-KR" sz="1500" dirty="0" err="1" smtClean="0"/>
+              <a:t>dst</a:t>
+            </a:r>
+            <a:r>
+              <a:rPr lang="en-US" altLang="ko-KR" sz="1500" dirty="0" smtClean="0"/>
+              <a:t>])</a:t>
+            </a:r>
+          </a:p>
+          <a:p>
+            <a:pPr lvl="1"/>
+            <a:r>
+              <a:rPr lang="en-US" altLang="ko-KR" sz="1500" dirty="0" err="1" smtClean="0"/>
+              <a:t>Src</a:t>
+            </a:r>
+            <a:r>
+              <a:rPr lang="en-US" altLang="ko-KR" sz="1500" dirty="0" smtClean="0"/>
+              <a:t> : 8 bit single channel image</a:t>
+            </a:r>
+          </a:p>
+          <a:p>
+            <a:pPr lvl="1"/>
+            <a:r>
+              <a:rPr lang="en-US" altLang="ko-KR" sz="1500" dirty="0" smtClean="0"/>
+              <a:t>Adaptive method</a:t>
+            </a:r>
+          </a:p>
+          <a:p>
+            <a:pPr lvl="2"/>
+            <a:r>
+              <a:rPr lang="en-US" altLang="ko-KR" sz="1500" dirty="0" smtClean="0"/>
+              <a:t>MEAN_C  : Threshold value = mean of </a:t>
+            </a:r>
+            <a:r>
+              <a:rPr lang="en-US" altLang="ko-KR" sz="1500" dirty="0" err="1" smtClean="0"/>
+              <a:t>blocksize</a:t>
+            </a:r>
+            <a:r>
+              <a:rPr lang="en-US" altLang="ko-KR" sz="1500" dirty="0" smtClean="0"/>
+              <a:t> * block size of </a:t>
+            </a:r>
+            <a:r>
+              <a:rPr lang="en-US" altLang="ko-KR" sz="1500" dirty="0" err="1" smtClean="0"/>
+              <a:t>neighbore</a:t>
+            </a:r>
+            <a:endParaRPr lang="en-US" altLang="ko-KR" sz="1500" dirty="0" smtClean="0"/>
+          </a:p>
+          <a:p>
+            <a:pPr lvl="2"/>
+            <a:r>
+              <a:rPr lang="en-US" altLang="ko-KR" sz="1500" dirty="0" err="1" smtClean="0"/>
+              <a:t>Gaussian_C</a:t>
+            </a:r>
+            <a:r>
+              <a:rPr lang="en-US" altLang="ko-KR" sz="1500" dirty="0" smtClean="0"/>
+              <a:t> : threshold value : weighted sum (cross-correlation with a Gaussian window ) . Default </a:t>
+            </a:r>
+            <a:r>
+              <a:rPr lang="en-US" altLang="ko-KR" sz="1500" dirty="0" err="1" smtClean="0"/>
+              <a:t>sigmal</a:t>
+            </a:r>
+            <a:r>
+              <a:rPr lang="en-US" altLang="ko-KR" sz="1500" dirty="0" smtClean="0"/>
+              <a:t> is used for specified </a:t>
+            </a:r>
+            <a:r>
+              <a:rPr lang="en-US" altLang="ko-KR" sz="1500" dirty="0" err="1" smtClean="0"/>
+              <a:t>blockSize</a:t>
+            </a:r>
+            <a:r>
+              <a:rPr lang="en-US" altLang="ko-KR" sz="1500" dirty="0" smtClean="0"/>
+              <a:t>. Sigma = 0.3 * ((ksize-1) * 0.5-1) + 0.8, </a:t>
+            </a:r>
+            <a:r>
+              <a:rPr lang="en-US" altLang="ko-KR" sz="1500" dirty="0" err="1" smtClean="0"/>
+              <a:t>ksize</a:t>
+            </a:r>
+            <a:r>
+              <a:rPr lang="en-US" altLang="ko-KR" sz="1500" dirty="0" smtClean="0"/>
+              <a:t> = odd</a:t>
+            </a:r>
+          </a:p>
+          <a:p>
+            <a:pPr lvl="2"/>
+            <a:endParaRPr lang="en-US" altLang="ko-KR" sz="1500" dirty="0"/>
+          </a:p>
+          <a:p>
+            <a:pPr lvl="1"/>
+            <a:r>
+              <a:rPr lang="en-US" altLang="ko-KR" sz="1900" dirty="0" smtClean="0"/>
+              <a:t>C : constant subtracted from the mean or weighted mean</a:t>
+            </a:r>
+          </a:p>
+          <a:p>
+            <a:pPr lvl="1"/>
+            <a:endParaRPr lang="en-US" altLang="ko-KR" sz="1500" dirty="0"/>
+          </a:p>
+          <a:p>
+            <a:endParaRPr lang="ko-KR" altLang="en-US" sz="1500" dirty="0"/>
+          </a:p>
+        </p:txBody>
+      </p:sp>
     </p:spTree>
     <p:extLst>
       <p:ext uri="{BB962C8B-B14F-4D97-AF65-F5344CB8AC3E}">
-        <p14:creationId xmlns:p14="http://schemas.microsoft.com/office/powerpoint/2010/main" val="639296692"/>
+        <p14:creationId xmlns:p14="http://schemas.microsoft.com/office/powerpoint/2010/main" val="2283222649"/>
       </p:ext>
     </p:extLst>
   </p:cSld>
